--- a/DockerPresentationHelloWorld.pptx
+++ b/DockerPresentationHelloWorld.pptx
@@ -13,6 +13,8 @@
     <p:sldId id="261" r:id="rId7"/>
     <p:sldId id="262" r:id="rId8"/>
     <p:sldId id="263" r:id="rId9"/>
+    <p:sldId id="264" r:id="rId10"/>
+    <p:sldId id="265" r:id="rId11"/>
   </p:sldIdLst>
   <p:sldSz cx="12192000" cy="6858000"/>
   <p:notesSz cx="6858000" cy="9144000"/>
@@ -111,6 +113,11 @@
       </a:defRPr>
     </a:lvl9pPr>
   </p:defaultTextStyle>
+  <p:extLst>
+    <p:ext uri="{EFAFB233-063F-42B5-8137-9DF3F51BA10A}">
+      <p15:sldGuideLst xmlns:p15="http://schemas.microsoft.com/office/powerpoint/2012/main"/>
+    </p:ext>
+  </p:extLst>
 </p:presentation>
 </file>
 
@@ -164,7 +171,7 @@
           <a:noFill/>
           <a:extLst>
             <a:ext uri="{909E8E84-426E-40dd-AFC4-6F175D3DCCD1}">
-              <a14:hiddenFill xmlns:a14="http://schemas.microsoft.com/office/drawing/2010/main" xmlns="">
+              <a14:hiddenFill xmlns="" xmlns:a14="http://schemas.microsoft.com/office/drawing/2010/main">
                 <a:solidFill>
                   <a:srgbClr val="FFFFFF"/>
                 </a:solidFill>
@@ -224,7 +231,7 @@
             </a:ln>
             <a:extLst>
               <a:ext uri="{91240B29-F687-4f45-9708-019B960494DF}">
-                <a14:hiddenLine xmlns:a14="http://schemas.microsoft.com/office/drawing/2010/main" xmlns="" w="9525">
+                <a14:hiddenLine xmlns="" xmlns:a14="http://schemas.microsoft.com/office/drawing/2010/main" w="9525">
                   <a:solidFill>
                     <a:srgbClr val="000000"/>
                   </a:solidFill>
@@ -314,7 +321,7 @@
             </a:ln>
             <a:extLst>
               <a:ext uri="{91240B29-F687-4f45-9708-019B960494DF}">
-                <a14:hiddenLine xmlns:a14="http://schemas.microsoft.com/office/drawing/2010/main" xmlns="" w="9525">
+                <a14:hiddenLine xmlns="" xmlns:a14="http://schemas.microsoft.com/office/drawing/2010/main" w="9525">
                   <a:solidFill>
                     <a:srgbClr val="000000"/>
                   </a:solidFill>
@@ -404,7 +411,7 @@
             </a:ln>
             <a:extLst>
               <a:ext uri="{91240B29-F687-4f45-9708-019B960494DF}">
-                <a14:hiddenLine xmlns:a14="http://schemas.microsoft.com/office/drawing/2010/main" xmlns="" w="9525">
+                <a14:hiddenLine xmlns="" xmlns:a14="http://schemas.microsoft.com/office/drawing/2010/main" w="9525">
                   <a:solidFill>
                     <a:srgbClr val="000000"/>
                   </a:solidFill>
@@ -438,7 +445,7 @@
             </a:ln>
             <a:extLst>
               <a:ext uri="{91240B29-F687-4f45-9708-019B960494DF}">
-                <a14:hiddenLine xmlns:a14="http://schemas.microsoft.com/office/drawing/2010/main" xmlns="" w="9525">
+                <a14:hiddenLine xmlns="" xmlns:a14="http://schemas.microsoft.com/office/drawing/2010/main" w="9525">
                   <a:solidFill>
                     <a:srgbClr val="000000"/>
                   </a:solidFill>
@@ -528,7 +535,7 @@
             </a:ln>
             <a:extLst>
               <a:ext uri="{91240B29-F687-4f45-9708-019B960494DF}">
-                <a14:hiddenLine xmlns:a14="http://schemas.microsoft.com/office/drawing/2010/main" xmlns="" w="9525">
+                <a14:hiddenLine xmlns="" xmlns:a14="http://schemas.microsoft.com/office/drawing/2010/main" w="9525">
                   <a:solidFill>
                     <a:srgbClr val="000000"/>
                   </a:solidFill>
@@ -590,7 +597,7 @@
             </a:ln>
             <a:extLst>
               <a:ext uri="{91240B29-F687-4f45-9708-019B960494DF}">
-                <a14:hiddenLine xmlns:a14="http://schemas.microsoft.com/office/drawing/2010/main" xmlns="" w="9525">
+                <a14:hiddenLine xmlns="" xmlns:a14="http://schemas.microsoft.com/office/drawing/2010/main" w="9525">
                   <a:solidFill>
                     <a:srgbClr val="000000"/>
                   </a:solidFill>
@@ -652,7 +659,7 @@
             </a:ln>
             <a:extLst>
               <a:ext uri="{91240B29-F687-4f45-9708-019B960494DF}">
-                <a14:hiddenLine xmlns:a14="http://schemas.microsoft.com/office/drawing/2010/main" xmlns="" w="9525">
+                <a14:hiddenLine xmlns="" xmlns:a14="http://schemas.microsoft.com/office/drawing/2010/main" w="9525">
                   <a:solidFill>
                     <a:srgbClr val="000000"/>
                   </a:solidFill>
@@ -742,7 +749,7 @@
             </a:ln>
             <a:extLst>
               <a:ext uri="{91240B29-F687-4f45-9708-019B960494DF}">
-                <a14:hiddenLine xmlns:a14="http://schemas.microsoft.com/office/drawing/2010/main" xmlns="" w="9525">
+                <a14:hiddenLine xmlns="" xmlns:a14="http://schemas.microsoft.com/office/drawing/2010/main" w="9525">
                   <a:solidFill>
                     <a:srgbClr val="000000"/>
                   </a:solidFill>
@@ -804,7 +811,7 @@
             </a:ln>
             <a:extLst>
               <a:ext uri="{91240B29-F687-4f45-9708-019B960494DF}">
-                <a14:hiddenLine xmlns:a14="http://schemas.microsoft.com/office/drawing/2010/main" xmlns="" w="9525">
+                <a14:hiddenLine xmlns="" xmlns:a14="http://schemas.microsoft.com/office/drawing/2010/main" w="9525">
                   <a:solidFill>
                     <a:srgbClr val="000000"/>
                   </a:solidFill>
@@ -866,7 +873,7 @@
             </a:ln>
             <a:extLst>
               <a:ext uri="{91240B29-F687-4f45-9708-019B960494DF}">
-                <a14:hiddenLine xmlns:a14="http://schemas.microsoft.com/office/drawing/2010/main" xmlns="" w="9525">
+                <a14:hiddenLine xmlns="" xmlns:a14="http://schemas.microsoft.com/office/drawing/2010/main" w="9525">
                   <a:solidFill>
                     <a:srgbClr val="000000"/>
                   </a:solidFill>
@@ -956,7 +963,7 @@
             </a:ln>
             <a:extLst>
               <a:ext uri="{91240B29-F687-4f45-9708-019B960494DF}">
-                <a14:hiddenLine xmlns:a14="http://schemas.microsoft.com/office/drawing/2010/main" xmlns="" w="9525">
+                <a14:hiddenLine xmlns="" xmlns:a14="http://schemas.microsoft.com/office/drawing/2010/main" w="9525">
                   <a:solidFill>
                     <a:srgbClr val="000000"/>
                   </a:solidFill>
@@ -1046,7 +1053,7 @@
             </a:ln>
             <a:extLst>
               <a:ext uri="{91240B29-F687-4f45-9708-019B960494DF}">
-                <a14:hiddenLine xmlns:a14="http://schemas.microsoft.com/office/drawing/2010/main" xmlns="" w="9525">
+                <a14:hiddenLine xmlns="" xmlns:a14="http://schemas.microsoft.com/office/drawing/2010/main" w="9525">
                   <a:solidFill>
                     <a:srgbClr val="000000"/>
                   </a:solidFill>
@@ -1108,7 +1115,7 @@
             </a:ln>
             <a:extLst>
               <a:ext uri="{91240B29-F687-4f45-9708-019B960494DF}">
-                <a14:hiddenLine xmlns:a14="http://schemas.microsoft.com/office/drawing/2010/main" xmlns="" w="9525">
+                <a14:hiddenLine xmlns="" xmlns:a14="http://schemas.microsoft.com/office/drawing/2010/main" w="9525">
                   <a:solidFill>
                     <a:srgbClr val="000000"/>
                   </a:solidFill>
@@ -1218,7 +1225,7 @@
             </a:ln>
             <a:extLst>
               <a:ext uri="{91240B29-F687-4f45-9708-019B960494DF}">
-                <a14:hiddenLine xmlns:a14="http://schemas.microsoft.com/office/drawing/2010/main" xmlns="" w="9525">
+                <a14:hiddenLine xmlns="" xmlns:a14="http://schemas.microsoft.com/office/drawing/2010/main" w="9525">
                   <a:solidFill>
                     <a:srgbClr val="000000"/>
                   </a:solidFill>
@@ -1280,7 +1287,7 @@
             </a:ln>
             <a:extLst>
               <a:ext uri="{91240B29-F687-4f45-9708-019B960494DF}">
-                <a14:hiddenLine xmlns:a14="http://schemas.microsoft.com/office/drawing/2010/main" xmlns="" w="9525">
+                <a14:hiddenLine xmlns="" xmlns:a14="http://schemas.microsoft.com/office/drawing/2010/main" w="9525">
                   <a:solidFill>
                     <a:srgbClr val="000000"/>
                   </a:solidFill>
@@ -1370,7 +1377,7 @@
             </a:ln>
             <a:extLst>
               <a:ext uri="{91240B29-F687-4f45-9708-019B960494DF}">
-                <a14:hiddenLine xmlns:a14="http://schemas.microsoft.com/office/drawing/2010/main" xmlns="" w="9525">
+                <a14:hiddenLine xmlns="" xmlns:a14="http://schemas.microsoft.com/office/drawing/2010/main" w="9525">
                   <a:solidFill>
                     <a:srgbClr val="000000"/>
                   </a:solidFill>
@@ -1460,7 +1467,7 @@
             </a:ln>
             <a:extLst>
               <a:ext uri="{91240B29-F687-4f45-9708-019B960494DF}">
-                <a14:hiddenLine xmlns:a14="http://schemas.microsoft.com/office/drawing/2010/main" xmlns="" w="9525">
+                <a14:hiddenLine xmlns="" xmlns:a14="http://schemas.microsoft.com/office/drawing/2010/main" w="9525">
                   <a:solidFill>
                     <a:srgbClr val="000000"/>
                   </a:solidFill>
@@ -1522,7 +1529,7 @@
             </a:ln>
             <a:extLst>
               <a:ext uri="{91240B29-F687-4f45-9708-019B960494DF}">
-                <a14:hiddenLine xmlns:a14="http://schemas.microsoft.com/office/drawing/2010/main" xmlns="" w="9525">
+                <a14:hiddenLine xmlns="" xmlns:a14="http://schemas.microsoft.com/office/drawing/2010/main" w="9525">
                   <a:solidFill>
                     <a:srgbClr val="000000"/>
                   </a:solidFill>
@@ -1612,7 +1619,7 @@
             </a:ln>
             <a:extLst>
               <a:ext uri="{91240B29-F687-4f45-9708-019B960494DF}">
-                <a14:hiddenLine xmlns:a14="http://schemas.microsoft.com/office/drawing/2010/main" xmlns="" w="9525">
+                <a14:hiddenLine xmlns="" xmlns:a14="http://schemas.microsoft.com/office/drawing/2010/main" w="9525">
                   <a:solidFill>
                     <a:srgbClr val="000000"/>
                   </a:solidFill>
@@ -1702,7 +1709,7 @@
             </a:ln>
             <a:extLst>
               <a:ext uri="{91240B29-F687-4f45-9708-019B960494DF}">
-                <a14:hiddenLine xmlns:a14="http://schemas.microsoft.com/office/drawing/2010/main" xmlns="" w="9525">
+                <a14:hiddenLine xmlns="" xmlns:a14="http://schemas.microsoft.com/office/drawing/2010/main" w="9525">
                   <a:solidFill>
                     <a:srgbClr val="000000"/>
                   </a:solidFill>
@@ -1758,7 +1765,7 @@
             </a:ln>
             <a:extLst>
               <a:ext uri="{91240B29-F687-4f45-9708-019B960494DF}">
-                <a14:hiddenLine xmlns:a14="http://schemas.microsoft.com/office/drawing/2010/main" xmlns="" w="9525">
+                <a14:hiddenLine xmlns="" xmlns:a14="http://schemas.microsoft.com/office/drawing/2010/main" w="9525">
                   <a:solidFill>
                     <a:srgbClr val="000000"/>
                   </a:solidFill>
@@ -1848,7 +1855,7 @@
             </a:ln>
             <a:extLst>
               <a:ext uri="{91240B29-F687-4f45-9708-019B960494DF}">
-                <a14:hiddenLine xmlns:a14="http://schemas.microsoft.com/office/drawing/2010/main" xmlns="" w="9525">
+                <a14:hiddenLine xmlns="" xmlns:a14="http://schemas.microsoft.com/office/drawing/2010/main" w="9525">
                   <a:solidFill>
                     <a:srgbClr val="000000"/>
                   </a:solidFill>
@@ -1904,7 +1911,7 @@
             </a:ln>
             <a:extLst>
               <a:ext uri="{91240B29-F687-4f45-9708-019B960494DF}">
-                <a14:hiddenLine xmlns:a14="http://schemas.microsoft.com/office/drawing/2010/main" xmlns="" w="9525">
+                <a14:hiddenLine xmlns="" xmlns:a14="http://schemas.microsoft.com/office/drawing/2010/main" w="9525">
                   <a:solidFill>
                     <a:srgbClr val="000000"/>
                   </a:solidFill>
@@ -1994,7 +2001,7 @@
             </a:ln>
             <a:extLst>
               <a:ext uri="{91240B29-F687-4f45-9708-019B960494DF}">
-                <a14:hiddenLine xmlns:a14="http://schemas.microsoft.com/office/drawing/2010/main" xmlns="" w="9525">
+                <a14:hiddenLine xmlns="" xmlns:a14="http://schemas.microsoft.com/office/drawing/2010/main" w="9525">
                   <a:solidFill>
                     <a:srgbClr val="000000"/>
                   </a:solidFill>
@@ -2062,7 +2069,7 @@
             </a:ln>
             <a:extLst>
               <a:ext uri="{91240B29-F687-4f45-9708-019B960494DF}">
-                <a14:hiddenLine xmlns:a14="http://schemas.microsoft.com/office/drawing/2010/main" xmlns="" w="9525">
+                <a14:hiddenLine xmlns="" xmlns:a14="http://schemas.microsoft.com/office/drawing/2010/main" w="9525">
                   <a:solidFill>
                     <a:srgbClr val="000000"/>
                   </a:solidFill>
@@ -2152,7 +2159,7 @@
             </a:ln>
             <a:extLst>
               <a:ext uri="{91240B29-F687-4f45-9708-019B960494DF}">
-                <a14:hiddenLine xmlns:a14="http://schemas.microsoft.com/office/drawing/2010/main" xmlns="" w="9525">
+                <a14:hiddenLine xmlns="" xmlns:a14="http://schemas.microsoft.com/office/drawing/2010/main" w="9525">
                   <a:solidFill>
                     <a:srgbClr val="000000"/>
                   </a:solidFill>
@@ -2220,7 +2227,7 @@
             </a:ln>
             <a:extLst>
               <a:ext uri="{91240B29-F687-4f45-9708-019B960494DF}">
-                <a14:hiddenLine xmlns:a14="http://schemas.microsoft.com/office/drawing/2010/main" xmlns="" w="9525">
+                <a14:hiddenLine xmlns="" xmlns:a14="http://schemas.microsoft.com/office/drawing/2010/main" w="9525">
                   <a:solidFill>
                     <a:srgbClr val="000000"/>
                   </a:solidFill>
@@ -2310,7 +2317,7 @@
             </a:ln>
             <a:extLst>
               <a:ext uri="{91240B29-F687-4f45-9708-019B960494DF}">
-                <a14:hiddenLine xmlns:a14="http://schemas.microsoft.com/office/drawing/2010/main" xmlns="" w="9525">
+                <a14:hiddenLine xmlns="" xmlns:a14="http://schemas.microsoft.com/office/drawing/2010/main" w="9525">
                   <a:solidFill>
                     <a:srgbClr val="000000"/>
                   </a:solidFill>
@@ -2344,7 +2351,7 @@
             </a:ln>
             <a:extLst>
               <a:ext uri="{91240B29-F687-4f45-9708-019B960494DF}">
-                <a14:hiddenLine xmlns:a14="http://schemas.microsoft.com/office/drawing/2010/main" xmlns="" w="9525">
+                <a14:hiddenLine xmlns="" xmlns:a14="http://schemas.microsoft.com/office/drawing/2010/main" w="9525">
                   <a:solidFill>
                     <a:srgbClr val="000000"/>
                   </a:solidFill>
@@ -2434,7 +2441,7 @@
             </a:ln>
             <a:extLst>
               <a:ext uri="{91240B29-F687-4f45-9708-019B960494DF}">
-                <a14:hiddenLine xmlns:a14="http://schemas.microsoft.com/office/drawing/2010/main" xmlns="" w="9525">
+                <a14:hiddenLine xmlns="" xmlns:a14="http://schemas.microsoft.com/office/drawing/2010/main" w="9525">
                   <a:solidFill>
                     <a:srgbClr val="000000"/>
                   </a:solidFill>
@@ -2496,7 +2503,7 @@
             </a:ln>
             <a:extLst>
               <a:ext uri="{91240B29-F687-4f45-9708-019B960494DF}">
-                <a14:hiddenLine xmlns:a14="http://schemas.microsoft.com/office/drawing/2010/main" xmlns="" w="9525">
+                <a14:hiddenLine xmlns="" xmlns:a14="http://schemas.microsoft.com/office/drawing/2010/main" w="9525">
                   <a:solidFill>
                     <a:srgbClr val="000000"/>
                   </a:solidFill>
@@ -2558,7 +2565,7 @@
             </a:ln>
             <a:extLst>
               <a:ext uri="{91240B29-F687-4f45-9708-019B960494DF}">
-                <a14:hiddenLine xmlns:a14="http://schemas.microsoft.com/office/drawing/2010/main" xmlns="" w="9525">
+                <a14:hiddenLine xmlns="" xmlns:a14="http://schemas.microsoft.com/office/drawing/2010/main" w="9525">
                   <a:solidFill>
                     <a:srgbClr val="000000"/>
                   </a:solidFill>
@@ -2648,7 +2655,7 @@
             </a:ln>
             <a:extLst>
               <a:ext uri="{91240B29-F687-4f45-9708-019B960494DF}">
-                <a14:hiddenLine xmlns:a14="http://schemas.microsoft.com/office/drawing/2010/main" xmlns="" w="9525">
+                <a14:hiddenLine xmlns="" xmlns:a14="http://schemas.microsoft.com/office/drawing/2010/main" w="9525">
                   <a:solidFill>
                     <a:srgbClr val="000000"/>
                   </a:solidFill>
@@ -2716,7 +2723,7 @@
             </a:ln>
             <a:extLst>
               <a:ext uri="{91240B29-F687-4f45-9708-019B960494DF}">
-                <a14:hiddenLine xmlns:a14="http://schemas.microsoft.com/office/drawing/2010/main" xmlns="" w="9525">
+                <a14:hiddenLine xmlns="" xmlns:a14="http://schemas.microsoft.com/office/drawing/2010/main" w="9525">
                   <a:solidFill>
                     <a:srgbClr val="000000"/>
                   </a:solidFill>
@@ -2778,7 +2785,7 @@
             </a:ln>
             <a:extLst>
               <a:ext uri="{91240B29-F687-4f45-9708-019B960494DF}">
-                <a14:hiddenLine xmlns:a14="http://schemas.microsoft.com/office/drawing/2010/main" xmlns="" w="9525">
+                <a14:hiddenLine xmlns="" xmlns:a14="http://schemas.microsoft.com/office/drawing/2010/main" w="9525">
                   <a:solidFill>
                     <a:srgbClr val="000000"/>
                   </a:solidFill>
@@ -2868,7 +2875,7 @@
             </a:ln>
             <a:extLst>
               <a:ext uri="{91240B29-F687-4f45-9708-019B960494DF}">
-                <a14:hiddenLine xmlns:a14="http://schemas.microsoft.com/office/drawing/2010/main" xmlns="" w="9525">
+                <a14:hiddenLine xmlns="" xmlns:a14="http://schemas.microsoft.com/office/drawing/2010/main" w="9525">
                   <a:solidFill>
                     <a:srgbClr val="000000"/>
                   </a:solidFill>
@@ -2930,7 +2937,7 @@
             </a:ln>
             <a:extLst>
               <a:ext uri="{91240B29-F687-4f45-9708-019B960494DF}">
-                <a14:hiddenLine xmlns:a14="http://schemas.microsoft.com/office/drawing/2010/main" xmlns="" w="9525">
+                <a14:hiddenLine xmlns="" xmlns:a14="http://schemas.microsoft.com/office/drawing/2010/main" w="9525">
                   <a:solidFill>
                     <a:srgbClr val="000000"/>
                   </a:solidFill>
@@ -3020,7 +3027,7 @@
             </a:ln>
             <a:extLst>
               <a:ext uri="{91240B29-F687-4f45-9708-019B960494DF}">
-                <a14:hiddenLine xmlns:a14="http://schemas.microsoft.com/office/drawing/2010/main" xmlns="" w="9525">
+                <a14:hiddenLine xmlns="" xmlns:a14="http://schemas.microsoft.com/office/drawing/2010/main" w="9525">
                   <a:solidFill>
                     <a:srgbClr val="000000"/>
                   </a:solidFill>
@@ -3082,7 +3089,7 @@
             </a:ln>
             <a:extLst>
               <a:ext uri="{91240B29-F687-4f45-9708-019B960494DF}">
-                <a14:hiddenLine xmlns:a14="http://schemas.microsoft.com/office/drawing/2010/main" xmlns="" w="9525">
+                <a14:hiddenLine xmlns="" xmlns:a14="http://schemas.microsoft.com/office/drawing/2010/main" w="9525">
                   <a:solidFill>
                     <a:srgbClr val="000000"/>
                   </a:solidFill>
@@ -3172,7 +3179,7 @@
             </a:ln>
             <a:extLst>
               <a:ext uri="{91240B29-F687-4f45-9708-019B960494DF}">
-                <a14:hiddenLine xmlns:a14="http://schemas.microsoft.com/office/drawing/2010/main" xmlns="" w="9525">
+                <a14:hiddenLine xmlns="" xmlns:a14="http://schemas.microsoft.com/office/drawing/2010/main" w="9525">
                   <a:solidFill>
                     <a:srgbClr val="000000"/>
                   </a:solidFill>
@@ -3206,7 +3213,7 @@
             </a:ln>
             <a:extLst>
               <a:ext uri="{91240B29-F687-4f45-9708-019B960494DF}">
-                <a14:hiddenLine xmlns:a14="http://schemas.microsoft.com/office/drawing/2010/main" xmlns="" w="9525">
+                <a14:hiddenLine xmlns="" xmlns:a14="http://schemas.microsoft.com/office/drawing/2010/main" w="9525">
                   <a:solidFill>
                     <a:srgbClr val="000000"/>
                   </a:solidFill>
@@ -3271,7 +3278,7 @@
             </a:ln>
             <a:extLst>
               <a:ext uri="{91240B29-F687-4f45-9708-019B960494DF}">
-                <a14:hiddenLine xmlns:a14="http://schemas.microsoft.com/office/drawing/2010/main" xmlns="" w="9525">
+                <a14:hiddenLine xmlns="" xmlns:a14="http://schemas.microsoft.com/office/drawing/2010/main" w="9525">
                   <a:solidFill>
                     <a:srgbClr val="000000"/>
                   </a:solidFill>
@@ -3361,7 +3368,7 @@
             </a:ln>
             <a:extLst>
               <a:ext uri="{91240B29-F687-4f45-9708-019B960494DF}">
-                <a14:hiddenLine xmlns:a14="http://schemas.microsoft.com/office/drawing/2010/main" xmlns="" w="9525">
+                <a14:hiddenLine xmlns="" xmlns:a14="http://schemas.microsoft.com/office/drawing/2010/main" w="9525">
                   <a:solidFill>
                     <a:srgbClr val="000000"/>
                   </a:solidFill>
@@ -3423,7 +3430,7 @@
             </a:ln>
             <a:extLst>
               <a:ext uri="{91240B29-F687-4f45-9708-019B960494DF}">
-                <a14:hiddenLine xmlns:a14="http://schemas.microsoft.com/office/drawing/2010/main" xmlns="" w="9525">
+                <a14:hiddenLine xmlns="" xmlns:a14="http://schemas.microsoft.com/office/drawing/2010/main" w="9525">
                   <a:solidFill>
                     <a:srgbClr val="000000"/>
                   </a:solidFill>
@@ -3513,7 +3520,7 @@
             </a:ln>
             <a:extLst>
               <a:ext uri="{91240B29-F687-4f45-9708-019B960494DF}">
-                <a14:hiddenLine xmlns:a14="http://schemas.microsoft.com/office/drawing/2010/main" xmlns="" w="9525">
+                <a14:hiddenLine xmlns="" xmlns:a14="http://schemas.microsoft.com/office/drawing/2010/main" w="9525">
                   <a:solidFill>
                     <a:srgbClr val="000000"/>
                   </a:solidFill>
@@ -3603,7 +3610,7 @@
             </a:ln>
             <a:extLst>
               <a:ext uri="{91240B29-F687-4f45-9708-019B960494DF}">
-                <a14:hiddenLine xmlns:a14="http://schemas.microsoft.com/office/drawing/2010/main" xmlns="" w="9525">
+                <a14:hiddenLine xmlns="" xmlns:a14="http://schemas.microsoft.com/office/drawing/2010/main" w="9525">
                   <a:solidFill>
                     <a:srgbClr val="000000"/>
                   </a:solidFill>
@@ -3668,7 +3675,7 @@
             </a:ln>
             <a:extLst>
               <a:ext uri="{91240B29-F687-4f45-9708-019B960494DF}">
-                <a14:hiddenLine xmlns:a14="http://schemas.microsoft.com/office/drawing/2010/main" xmlns="" w="9525">
+                <a14:hiddenLine xmlns="" xmlns:a14="http://schemas.microsoft.com/office/drawing/2010/main" w="9525">
                   <a:solidFill>
                     <a:srgbClr val="000000"/>
                   </a:solidFill>
@@ -3730,7 +3737,7 @@
             </a:ln>
             <a:extLst>
               <a:ext uri="{91240B29-F687-4f45-9708-019B960494DF}">
-                <a14:hiddenLine xmlns:a14="http://schemas.microsoft.com/office/drawing/2010/main" xmlns="" w="9525">
+                <a14:hiddenLine xmlns="" xmlns:a14="http://schemas.microsoft.com/office/drawing/2010/main" w="9525">
                   <a:solidFill>
                     <a:srgbClr val="000000"/>
                   </a:solidFill>
@@ -3820,7 +3827,7 @@
             </a:ln>
             <a:extLst>
               <a:ext uri="{91240B29-F687-4f45-9708-019B960494DF}">
-                <a14:hiddenLine xmlns:a14="http://schemas.microsoft.com/office/drawing/2010/main" xmlns="" w="9525">
+                <a14:hiddenLine xmlns="" xmlns:a14="http://schemas.microsoft.com/office/drawing/2010/main" w="9525">
                   <a:solidFill>
                     <a:srgbClr val="000000"/>
                   </a:solidFill>
@@ -3910,7 +3917,7 @@
             </a:ln>
             <a:extLst>
               <a:ext uri="{91240B29-F687-4f45-9708-019B960494DF}">
-                <a14:hiddenLine xmlns:a14="http://schemas.microsoft.com/office/drawing/2010/main" xmlns="" w="9525">
+                <a14:hiddenLine xmlns="" xmlns:a14="http://schemas.microsoft.com/office/drawing/2010/main" w="9525">
                   <a:solidFill>
                     <a:srgbClr val="000000"/>
                   </a:solidFill>
@@ -3972,7 +3979,7 @@
             </a:ln>
             <a:extLst>
               <a:ext uri="{91240B29-F687-4f45-9708-019B960494DF}">
-                <a14:hiddenLine xmlns:a14="http://schemas.microsoft.com/office/drawing/2010/main" xmlns="" w="9525">
+                <a14:hiddenLine xmlns="" xmlns:a14="http://schemas.microsoft.com/office/drawing/2010/main" w="9525">
                   <a:solidFill>
                     <a:srgbClr val="000000"/>
                   </a:solidFill>
@@ -4092,7 +4099,7 @@
             </a:ln>
             <a:extLst>
               <a:ext uri="{91240B29-F687-4f45-9708-019B960494DF}">
-                <a14:hiddenLine xmlns:a14="http://schemas.microsoft.com/office/drawing/2010/main" xmlns="" w="9525">
+                <a14:hiddenLine xmlns="" xmlns:a14="http://schemas.microsoft.com/office/drawing/2010/main" w="9525">
                   <a:solidFill>
                     <a:srgbClr val="000000"/>
                   </a:solidFill>
@@ -4160,7 +4167,7 @@
             </a:ln>
             <a:extLst>
               <a:ext uri="{91240B29-F687-4f45-9708-019B960494DF}">
-                <a14:hiddenLine xmlns:a14="http://schemas.microsoft.com/office/drawing/2010/main" xmlns="" w="9525">
+                <a14:hiddenLine xmlns="" xmlns:a14="http://schemas.microsoft.com/office/drawing/2010/main" w="9525">
                   <a:solidFill>
                     <a:srgbClr val="000000"/>
                   </a:solidFill>
@@ -4250,7 +4257,7 @@
             </a:ln>
             <a:extLst>
               <a:ext uri="{91240B29-F687-4f45-9708-019B960494DF}">
-                <a14:hiddenLine xmlns:a14="http://schemas.microsoft.com/office/drawing/2010/main" xmlns="" w="9525">
+                <a14:hiddenLine xmlns="" xmlns:a14="http://schemas.microsoft.com/office/drawing/2010/main" w="9525">
                   <a:solidFill>
                     <a:srgbClr val="000000"/>
                   </a:solidFill>
@@ -4390,7 +4397,7 @@
           <a:p>
             <a:fld id="{48A87A34-81AB-432B-8DAE-1953F412C126}" type="datetimeFigureOut">
               <a:rPr lang="en-US" dirty="0"/>
-              <a:t>3/24/20</a:t>
+              <a:t>3/25/20</a:t>
             </a:fld>
             <a:endParaRPr lang="en-US" dirty="0"/>
           </a:p>
@@ -4652,7 +4659,7 @@
           <a:p>
             <a:fld id="{48A87A34-81AB-432B-8DAE-1953F412C126}" type="datetimeFigureOut">
               <a:rPr lang="en-US" dirty="0"/>
-              <a:t>3/24/20</a:t>
+              <a:t>3/25/20</a:t>
             </a:fld>
             <a:endParaRPr lang="en-US" dirty="0"/>
           </a:p>
@@ -4843,7 +4850,7 @@
           <a:p>
             <a:fld id="{48A87A34-81AB-432B-8DAE-1953F412C126}" type="datetimeFigureOut">
               <a:rPr lang="en-US" dirty="0"/>
-              <a:t>3/24/20</a:t>
+              <a:t>3/25/20</a:t>
             </a:fld>
             <a:endParaRPr lang="en-US" dirty="0"/>
           </a:p>
@@ -5101,7 +5108,7 @@
           <a:p>
             <a:fld id="{48A87A34-81AB-432B-8DAE-1953F412C126}" type="datetimeFigureOut">
               <a:rPr lang="en-US" dirty="0"/>
-              <a:t>3/24/20</a:t>
+              <a:t>3/25/20</a:t>
             </a:fld>
             <a:endParaRPr lang="en-US" dirty="0"/>
           </a:p>
@@ -5530,7 +5537,7 @@
           <a:p>
             <a:fld id="{48A87A34-81AB-432B-8DAE-1953F412C126}" type="datetimeFigureOut">
               <a:rPr lang="en-US" dirty="0"/>
-              <a:t>3/24/20</a:t>
+              <a:t>3/25/20</a:t>
             </a:fld>
             <a:endParaRPr lang="en-US" dirty="0"/>
           </a:p>
@@ -6071,7 +6078,7 @@
           <a:p>
             <a:fld id="{48A87A34-81AB-432B-8DAE-1953F412C126}" type="datetimeFigureOut">
               <a:rPr lang="en-US" dirty="0"/>
-              <a:t>3/24/20</a:t>
+              <a:t>3/25/20</a:t>
             </a:fld>
             <a:endParaRPr lang="en-US" dirty="0"/>
           </a:p>
@@ -6786,7 +6793,7 @@
           <a:p>
             <a:fld id="{48A87A34-81AB-432B-8DAE-1953F412C126}" type="datetimeFigureOut">
               <a:rPr lang="en-US" dirty="0"/>
-              <a:t>3/24/20</a:t>
+              <a:t>3/25/20</a:t>
             </a:fld>
             <a:endParaRPr lang="en-US" dirty="0"/>
           </a:p>
@@ -6951,7 +6958,7 @@
           <a:p>
             <a:fld id="{48A87A34-81AB-432B-8DAE-1953F412C126}" type="datetimeFigureOut">
               <a:rPr lang="en-US" dirty="0"/>
-              <a:t>3/24/20</a:t>
+              <a:t>3/25/20</a:t>
             </a:fld>
             <a:endParaRPr lang="en-US" dirty="0"/>
           </a:p>
@@ -7126,7 +7133,7 @@
           <a:p>
             <a:fld id="{48A87A34-81AB-432B-8DAE-1953F412C126}" type="datetimeFigureOut">
               <a:rPr lang="en-US" dirty="0"/>
-              <a:t>3/24/20</a:t>
+              <a:t>3/25/20</a:t>
             </a:fld>
             <a:endParaRPr lang="en-US" dirty="0"/>
           </a:p>
@@ -7291,7 +7298,7 @@
           <a:p>
             <a:fld id="{48A87A34-81AB-432B-8DAE-1953F412C126}" type="datetimeFigureOut">
               <a:rPr lang="en-US" dirty="0"/>
-              <a:t>3/24/20</a:t>
+              <a:t>3/25/20</a:t>
             </a:fld>
             <a:endParaRPr lang="en-US" dirty="0"/>
           </a:p>
@@ -7536,7 +7543,7 @@
           <a:p>
             <a:fld id="{48A87A34-81AB-432B-8DAE-1953F412C126}" type="datetimeFigureOut">
               <a:rPr lang="en-US" dirty="0"/>
-              <a:t>3/24/20</a:t>
+              <a:t>3/25/20</a:t>
             </a:fld>
             <a:endParaRPr lang="en-US" dirty="0"/>
           </a:p>
@@ -7763,7 +7770,7 @@
           <a:p>
             <a:fld id="{48A87A34-81AB-432B-8DAE-1953F412C126}" type="datetimeFigureOut">
               <a:rPr lang="en-US" dirty="0"/>
-              <a:t>3/24/20</a:t>
+              <a:t>3/25/20</a:t>
             </a:fld>
             <a:endParaRPr lang="en-US" dirty="0"/>
           </a:p>
@@ -8139,7 +8146,7 @@
           <a:p>
             <a:fld id="{48A87A34-81AB-432B-8DAE-1953F412C126}" type="datetimeFigureOut">
               <a:rPr lang="en-US" dirty="0"/>
-              <a:t>3/24/20</a:t>
+              <a:t>3/25/20</a:t>
             </a:fld>
             <a:endParaRPr lang="en-US" dirty="0"/>
           </a:p>
@@ -8252,7 +8259,7 @@
           <a:p>
             <a:fld id="{48A87A34-81AB-432B-8DAE-1953F412C126}" type="datetimeFigureOut">
               <a:rPr lang="en-US" dirty="0"/>
-              <a:t>3/24/20</a:t>
+              <a:t>3/25/20</a:t>
             </a:fld>
             <a:endParaRPr lang="en-US" dirty="0"/>
           </a:p>
@@ -8342,7 +8349,7 @@
           <a:p>
             <a:fld id="{48A87A34-81AB-432B-8DAE-1953F412C126}" type="datetimeFigureOut">
               <a:rPr lang="en-US" dirty="0"/>
-              <a:t>3/24/20</a:t>
+              <a:t>3/25/20</a:t>
             </a:fld>
             <a:endParaRPr lang="en-US" dirty="0"/>
           </a:p>
@@ -8586,7 +8593,7 @@
           <a:p>
             <a:fld id="{48A87A34-81AB-432B-8DAE-1953F412C126}" type="datetimeFigureOut">
               <a:rPr lang="en-US" dirty="0"/>
-              <a:t>3/24/20</a:t>
+              <a:t>3/25/20</a:t>
             </a:fld>
             <a:endParaRPr lang="en-US" dirty="0"/>
           </a:p>
@@ -8861,7 +8868,7 @@
           <a:p>
             <a:fld id="{48A87A34-81AB-432B-8DAE-1953F412C126}" type="datetimeFigureOut">
               <a:rPr lang="en-US" dirty="0"/>
-              <a:t>3/24/20</a:t>
+              <a:t>3/25/20</a:t>
             </a:fld>
             <a:endParaRPr lang="en-US" dirty="0"/>
           </a:p>
@@ -8972,7 +8979,7 @@
           <a:noFill/>
           <a:extLst>
             <a:ext uri="{909E8E84-426E-40dd-AFC4-6F175D3DCCD1}">
-              <a14:hiddenFill xmlns:a14="http://schemas.microsoft.com/office/drawing/2010/main" xmlns="">
+              <a14:hiddenFill xmlns="" xmlns:a14="http://schemas.microsoft.com/office/drawing/2010/main">
                 <a:solidFill>
                   <a:srgbClr val="FFFFFF"/>
                 </a:solidFill>
@@ -9046,7 +9053,7 @@
               </a:ln>
               <a:extLst>
                 <a:ext uri="{91240B29-F687-4f45-9708-019B960494DF}">
-                  <a14:hiddenLine xmlns:a14="http://schemas.microsoft.com/office/drawing/2010/main" xmlns="" w="9525">
+                  <a14:hiddenLine xmlns="" xmlns:a14="http://schemas.microsoft.com/office/drawing/2010/main" w="9525">
                     <a:solidFill>
                       <a:srgbClr val="000000"/>
                     </a:solidFill>
@@ -9136,7 +9143,7 @@
               </a:ln>
               <a:extLst>
                 <a:ext uri="{91240B29-F687-4f45-9708-019B960494DF}">
-                  <a14:hiddenLine xmlns:a14="http://schemas.microsoft.com/office/drawing/2010/main" xmlns="" w="9525">
+                  <a14:hiddenLine xmlns="" xmlns:a14="http://schemas.microsoft.com/office/drawing/2010/main" w="9525">
                     <a:solidFill>
                       <a:srgbClr val="000000"/>
                     </a:solidFill>
@@ -9226,7 +9233,7 @@
               </a:ln>
               <a:extLst>
                 <a:ext uri="{91240B29-F687-4f45-9708-019B960494DF}">
-                  <a14:hiddenLine xmlns:a14="http://schemas.microsoft.com/office/drawing/2010/main" xmlns="" w="9525">
+                  <a14:hiddenLine xmlns="" xmlns:a14="http://schemas.microsoft.com/office/drawing/2010/main" w="9525">
                     <a:solidFill>
                       <a:srgbClr val="000000"/>
                     </a:solidFill>
@@ -9288,7 +9295,7 @@
               </a:ln>
               <a:extLst>
                 <a:ext uri="{91240B29-F687-4f45-9708-019B960494DF}">
-                  <a14:hiddenLine xmlns:a14="http://schemas.microsoft.com/office/drawing/2010/main" xmlns="" w="9525">
+                  <a14:hiddenLine xmlns="" xmlns:a14="http://schemas.microsoft.com/office/drawing/2010/main" w="9525">
                     <a:solidFill>
                       <a:srgbClr val="000000"/>
                     </a:solidFill>
@@ -9378,7 +9385,7 @@
               </a:ln>
               <a:extLst>
                 <a:ext uri="{91240B29-F687-4f45-9708-019B960494DF}">
-                  <a14:hiddenLine xmlns:a14="http://schemas.microsoft.com/office/drawing/2010/main" xmlns="" w="9525">
+                  <a14:hiddenLine xmlns="" xmlns:a14="http://schemas.microsoft.com/office/drawing/2010/main" w="9525">
                     <a:solidFill>
                       <a:srgbClr val="000000"/>
                     </a:solidFill>
@@ -9440,7 +9447,7 @@
               </a:ln>
               <a:extLst>
                 <a:ext uri="{91240B29-F687-4f45-9708-019B960494DF}">
-                  <a14:hiddenLine xmlns:a14="http://schemas.microsoft.com/office/drawing/2010/main" xmlns="" w="9525">
+                  <a14:hiddenLine xmlns="" xmlns:a14="http://schemas.microsoft.com/office/drawing/2010/main" w="9525">
                     <a:solidFill>
                       <a:srgbClr val="000000"/>
                     </a:solidFill>
@@ -9502,7 +9509,7 @@
               </a:ln>
               <a:extLst>
                 <a:ext uri="{91240B29-F687-4f45-9708-019B960494DF}">
-                  <a14:hiddenLine xmlns:a14="http://schemas.microsoft.com/office/drawing/2010/main" xmlns="" w="9525">
+                  <a14:hiddenLine xmlns="" xmlns:a14="http://schemas.microsoft.com/office/drawing/2010/main" w="9525">
                     <a:solidFill>
                       <a:srgbClr val="000000"/>
                     </a:solidFill>
@@ -9592,7 +9599,7 @@
               </a:ln>
               <a:extLst>
                 <a:ext uri="{91240B29-F687-4f45-9708-019B960494DF}">
-                  <a14:hiddenLine xmlns:a14="http://schemas.microsoft.com/office/drawing/2010/main" xmlns="" w="9525">
+                  <a14:hiddenLine xmlns="" xmlns:a14="http://schemas.microsoft.com/office/drawing/2010/main" w="9525">
                     <a:solidFill>
                       <a:srgbClr val="000000"/>
                     </a:solidFill>
@@ -9682,7 +9689,7 @@
               </a:ln>
               <a:extLst>
                 <a:ext uri="{91240B29-F687-4f45-9708-019B960494DF}">
-                  <a14:hiddenLine xmlns:a14="http://schemas.microsoft.com/office/drawing/2010/main" xmlns="" w="9525">
+                  <a14:hiddenLine xmlns="" xmlns:a14="http://schemas.microsoft.com/office/drawing/2010/main" w="9525">
                     <a:solidFill>
                       <a:srgbClr val="000000"/>
                     </a:solidFill>
@@ -9744,7 +9751,7 @@
               </a:ln>
               <a:extLst>
                 <a:ext uri="{91240B29-F687-4f45-9708-019B960494DF}">
-                  <a14:hiddenLine xmlns:a14="http://schemas.microsoft.com/office/drawing/2010/main" xmlns="" w="9525">
+                  <a14:hiddenLine xmlns="" xmlns:a14="http://schemas.microsoft.com/office/drawing/2010/main" w="9525">
                     <a:solidFill>
                       <a:srgbClr val="000000"/>
                     </a:solidFill>
@@ -9854,7 +9861,7 @@
               </a:ln>
               <a:extLst>
                 <a:ext uri="{91240B29-F687-4f45-9708-019B960494DF}">
-                  <a14:hiddenLine xmlns:a14="http://schemas.microsoft.com/office/drawing/2010/main" xmlns="" w="9525">
+                  <a14:hiddenLine xmlns="" xmlns:a14="http://schemas.microsoft.com/office/drawing/2010/main" w="9525">
                     <a:solidFill>
                       <a:srgbClr val="000000"/>
                     </a:solidFill>
@@ -9938,7 +9945,7 @@
               </a:ln>
               <a:extLst>
                 <a:ext uri="{91240B29-F687-4f45-9708-019B960494DF}">
-                  <a14:hiddenLine xmlns:a14="http://schemas.microsoft.com/office/drawing/2010/main" xmlns="" w="9525">
+                  <a14:hiddenLine xmlns="" xmlns:a14="http://schemas.microsoft.com/office/drawing/2010/main" w="9525">
                     <a:solidFill>
                       <a:srgbClr val="000000"/>
                     </a:solidFill>
@@ -10000,7 +10007,7 @@
               </a:ln>
               <a:extLst>
                 <a:ext uri="{91240B29-F687-4f45-9708-019B960494DF}">
-                  <a14:hiddenLine xmlns:a14="http://schemas.microsoft.com/office/drawing/2010/main" xmlns="" w="9525">
+                  <a14:hiddenLine xmlns="" xmlns:a14="http://schemas.microsoft.com/office/drawing/2010/main" w="9525">
                     <a:solidFill>
                       <a:srgbClr val="000000"/>
                     </a:solidFill>
@@ -10062,7 +10069,7 @@
               </a:ln>
               <a:extLst>
                 <a:ext uri="{91240B29-F687-4f45-9708-019B960494DF}">
-                  <a14:hiddenLine xmlns:a14="http://schemas.microsoft.com/office/drawing/2010/main" xmlns="" w="9525">
+                  <a14:hiddenLine xmlns="" xmlns:a14="http://schemas.microsoft.com/office/drawing/2010/main" w="9525">
                     <a:solidFill>
                       <a:srgbClr val="000000"/>
                     </a:solidFill>
@@ -10152,7 +10159,7 @@
               </a:ln>
               <a:extLst>
                 <a:ext uri="{91240B29-F687-4f45-9708-019B960494DF}">
-                  <a14:hiddenLine xmlns:a14="http://schemas.microsoft.com/office/drawing/2010/main" xmlns="" w="9525">
+                  <a14:hiddenLine xmlns="" xmlns:a14="http://schemas.microsoft.com/office/drawing/2010/main" w="9525">
                     <a:solidFill>
                       <a:srgbClr val="000000"/>
                     </a:solidFill>
@@ -10186,7 +10193,7 @@
               </a:ln>
               <a:extLst>
                 <a:ext uri="{91240B29-F687-4f45-9708-019B960494DF}">
-                  <a14:hiddenLine xmlns:a14="http://schemas.microsoft.com/office/drawing/2010/main" xmlns="" w="9525">
+                  <a14:hiddenLine xmlns="" xmlns:a14="http://schemas.microsoft.com/office/drawing/2010/main" w="9525">
                     <a:solidFill>
                       <a:srgbClr val="000000"/>
                     </a:solidFill>
@@ -10251,7 +10258,7 @@
               </a:ln>
               <a:extLst>
                 <a:ext uri="{91240B29-F687-4f45-9708-019B960494DF}">
-                  <a14:hiddenLine xmlns:a14="http://schemas.microsoft.com/office/drawing/2010/main" xmlns="" w="9525">
+                  <a14:hiddenLine xmlns="" xmlns:a14="http://schemas.microsoft.com/office/drawing/2010/main" w="9525">
                     <a:solidFill>
                       <a:srgbClr val="000000"/>
                     </a:solidFill>
@@ -10341,7 +10348,7 @@
               </a:ln>
               <a:extLst>
                 <a:ext uri="{91240B29-F687-4f45-9708-019B960494DF}">
-                  <a14:hiddenLine xmlns:a14="http://schemas.microsoft.com/office/drawing/2010/main" xmlns="" w="9525">
+                  <a14:hiddenLine xmlns="" xmlns:a14="http://schemas.microsoft.com/office/drawing/2010/main" w="9525">
                     <a:solidFill>
                       <a:srgbClr val="000000"/>
                     </a:solidFill>
@@ -10403,7 +10410,7 @@
               </a:ln>
               <a:extLst>
                 <a:ext uri="{91240B29-F687-4f45-9708-019B960494DF}">
-                  <a14:hiddenLine xmlns:a14="http://schemas.microsoft.com/office/drawing/2010/main" xmlns="" w="9525">
+                  <a14:hiddenLine xmlns="" xmlns:a14="http://schemas.microsoft.com/office/drawing/2010/main" w="9525">
                     <a:solidFill>
                       <a:srgbClr val="000000"/>
                     </a:solidFill>
@@ -10493,7 +10500,7 @@
               </a:ln>
               <a:extLst>
                 <a:ext uri="{91240B29-F687-4f45-9708-019B960494DF}">
-                  <a14:hiddenLine xmlns:a14="http://schemas.microsoft.com/office/drawing/2010/main" xmlns="" w="9525">
+                  <a14:hiddenLine xmlns="" xmlns:a14="http://schemas.microsoft.com/office/drawing/2010/main" w="9525">
                     <a:solidFill>
                       <a:srgbClr val="000000"/>
                     </a:solidFill>
@@ -10558,7 +10565,7 @@
               </a:ln>
               <a:extLst>
                 <a:ext uri="{91240B29-F687-4f45-9708-019B960494DF}">
-                  <a14:hiddenLine xmlns:a14="http://schemas.microsoft.com/office/drawing/2010/main" xmlns="" w="9525">
+                  <a14:hiddenLine xmlns="" xmlns:a14="http://schemas.microsoft.com/office/drawing/2010/main" w="9525">
                     <a:solidFill>
                       <a:srgbClr val="000000"/>
                     </a:solidFill>
@@ -10620,7 +10627,7 @@
               </a:ln>
               <a:extLst>
                 <a:ext uri="{91240B29-F687-4f45-9708-019B960494DF}">
-                  <a14:hiddenLine xmlns:a14="http://schemas.microsoft.com/office/drawing/2010/main" xmlns="" w="9525">
+                  <a14:hiddenLine xmlns="" xmlns:a14="http://schemas.microsoft.com/office/drawing/2010/main" w="9525">
                     <a:solidFill>
                       <a:srgbClr val="000000"/>
                     </a:solidFill>
@@ -10710,7 +10717,7 @@
               </a:ln>
               <a:extLst>
                 <a:ext uri="{91240B29-F687-4f45-9708-019B960494DF}">
-                  <a14:hiddenLine xmlns:a14="http://schemas.microsoft.com/office/drawing/2010/main" xmlns="" w="9525">
+                  <a14:hiddenLine xmlns="" xmlns:a14="http://schemas.microsoft.com/office/drawing/2010/main" w="9525">
                     <a:solidFill>
                       <a:srgbClr val="000000"/>
                     </a:solidFill>
@@ -10800,7 +10807,7 @@
               </a:ln>
               <a:extLst>
                 <a:ext uri="{91240B29-F687-4f45-9708-019B960494DF}">
-                  <a14:hiddenLine xmlns:a14="http://schemas.microsoft.com/office/drawing/2010/main" xmlns="" w="9525">
+                  <a14:hiddenLine xmlns="" xmlns:a14="http://schemas.microsoft.com/office/drawing/2010/main" w="9525">
                     <a:solidFill>
                       <a:srgbClr val="000000"/>
                     </a:solidFill>
@@ -10865,7 +10872,7 @@
               </a:ln>
               <a:extLst>
                 <a:ext uri="{91240B29-F687-4f45-9708-019B960494DF}">
-                  <a14:hiddenLine xmlns:a14="http://schemas.microsoft.com/office/drawing/2010/main" xmlns="" w="9525">
+                  <a14:hiddenLine xmlns="" xmlns:a14="http://schemas.microsoft.com/office/drawing/2010/main" w="9525">
                     <a:solidFill>
                       <a:srgbClr val="000000"/>
                     </a:solidFill>
@@ -10985,7 +10992,7 @@
               </a:ln>
               <a:extLst>
                 <a:ext uri="{91240B29-F687-4f45-9708-019B960494DF}">
-                  <a14:hiddenLine xmlns:a14="http://schemas.microsoft.com/office/drawing/2010/main" xmlns="" w="9525">
+                  <a14:hiddenLine xmlns="" xmlns:a14="http://schemas.microsoft.com/office/drawing/2010/main" w="9525">
                     <a:solidFill>
                       <a:srgbClr val="000000"/>
                     </a:solidFill>
@@ -11083,7 +11090,7 @@
               </a:ln>
               <a:extLst>
                 <a:ext uri="{91240B29-F687-4f45-9708-019B960494DF}">
-                  <a14:hiddenLine xmlns:a14="http://schemas.microsoft.com/office/drawing/2010/main" xmlns="" w="9525">
+                  <a14:hiddenLine xmlns="" xmlns:a14="http://schemas.microsoft.com/office/drawing/2010/main" w="9525">
                     <a:solidFill>
                       <a:srgbClr val="000000"/>
                     </a:solidFill>
@@ -11198,7 +11205,7 @@
               </a:ln>
               <a:extLst>
                 <a:ext uri="{91240B29-F687-4f45-9708-019B960494DF}">
-                  <a14:hiddenLine xmlns:a14="http://schemas.microsoft.com/office/drawing/2010/main" xmlns="" w="9525">
+                  <a14:hiddenLine xmlns="" xmlns:a14="http://schemas.microsoft.com/office/drawing/2010/main" w="9525">
                     <a:solidFill>
                       <a:srgbClr val="000000"/>
                     </a:solidFill>
@@ -11288,7 +11295,7 @@
               </a:ln>
               <a:extLst>
                 <a:ext uri="{91240B29-F687-4f45-9708-019B960494DF}">
-                  <a14:hiddenLine xmlns:a14="http://schemas.microsoft.com/office/drawing/2010/main" xmlns="" w="9525">
+                  <a14:hiddenLine xmlns="" xmlns:a14="http://schemas.microsoft.com/office/drawing/2010/main" w="9525">
                     <a:solidFill>
                       <a:srgbClr val="000000"/>
                     </a:solidFill>
@@ -11353,7 +11360,7 @@
               </a:ln>
               <a:extLst>
                 <a:ext uri="{91240B29-F687-4f45-9708-019B960494DF}">
-                  <a14:hiddenLine xmlns:a14="http://schemas.microsoft.com/office/drawing/2010/main" xmlns="" w="9525">
+                  <a14:hiddenLine xmlns="" xmlns:a14="http://schemas.microsoft.com/office/drawing/2010/main" w="9525">
                     <a:solidFill>
                       <a:srgbClr val="000000"/>
                     </a:solidFill>
@@ -11443,7 +11450,7 @@
               </a:ln>
               <a:extLst>
                 <a:ext uri="{91240B29-F687-4f45-9708-019B960494DF}">
-                  <a14:hiddenLine xmlns:a14="http://schemas.microsoft.com/office/drawing/2010/main" xmlns="" w="9525">
+                  <a14:hiddenLine xmlns="" xmlns:a14="http://schemas.microsoft.com/office/drawing/2010/main" w="9525">
                     <a:solidFill>
                       <a:srgbClr val="000000"/>
                     </a:solidFill>
@@ -11511,7 +11518,7 @@
               </a:ln>
               <a:extLst>
                 <a:ext uri="{91240B29-F687-4f45-9708-019B960494DF}">
-                  <a14:hiddenLine xmlns:a14="http://schemas.microsoft.com/office/drawing/2010/main" xmlns="" w="9525">
+                  <a14:hiddenLine xmlns="" xmlns:a14="http://schemas.microsoft.com/office/drawing/2010/main" w="9525">
                     <a:solidFill>
                       <a:srgbClr val="000000"/>
                     </a:solidFill>
@@ -11601,7 +11608,7 @@
               </a:ln>
               <a:extLst>
                 <a:ext uri="{91240B29-F687-4f45-9708-019B960494DF}">
-                  <a14:hiddenLine xmlns:a14="http://schemas.microsoft.com/office/drawing/2010/main" xmlns="" w="9525">
+                  <a14:hiddenLine xmlns="" xmlns:a14="http://schemas.microsoft.com/office/drawing/2010/main" w="9525">
                     <a:solidFill>
                       <a:srgbClr val="000000"/>
                     </a:solidFill>
@@ -11669,7 +11676,7 @@
               </a:ln>
               <a:extLst>
                 <a:ext uri="{91240B29-F687-4f45-9708-019B960494DF}">
-                  <a14:hiddenLine xmlns:a14="http://schemas.microsoft.com/office/drawing/2010/main" xmlns="" w="9525">
+                  <a14:hiddenLine xmlns="" xmlns:a14="http://schemas.microsoft.com/office/drawing/2010/main" w="9525">
                     <a:solidFill>
                       <a:srgbClr val="000000"/>
                     </a:solidFill>
@@ -11759,7 +11766,7 @@
               </a:ln>
               <a:extLst>
                 <a:ext uri="{91240B29-F687-4f45-9708-019B960494DF}">
-                  <a14:hiddenLine xmlns:a14="http://schemas.microsoft.com/office/drawing/2010/main" xmlns="" w="9525">
+                  <a14:hiddenLine xmlns="" xmlns:a14="http://schemas.microsoft.com/office/drawing/2010/main" w="9525">
                     <a:solidFill>
                       <a:srgbClr val="000000"/>
                     </a:solidFill>
@@ -11793,7 +11800,7 @@
               </a:ln>
               <a:extLst>
                 <a:ext uri="{91240B29-F687-4f45-9708-019B960494DF}">
-                  <a14:hiddenLine xmlns:a14="http://schemas.microsoft.com/office/drawing/2010/main" xmlns="" w="9525">
+                  <a14:hiddenLine xmlns="" xmlns:a14="http://schemas.microsoft.com/office/drawing/2010/main" w="9525">
                     <a:solidFill>
                       <a:srgbClr val="000000"/>
                     </a:solidFill>
@@ -11934,7 +11941,7 @@
             <a:fld id="{48A87A34-81AB-432B-8DAE-1953F412C126}" type="datetimeFigureOut">
               <a:rPr lang="en-US" dirty="0"/>
               <a:pPr/>
-              <a:t>3/24/20</a:t>
+              <a:t>3/25/20</a:t>
             </a:fld>
             <a:endParaRPr lang="en-US" dirty="0"/>
           </a:p>
@@ -12404,6 +12411,127 @@
 </p:sld>
 </file>
 
+<file path=ppt/slides/slide10.xml><?xml version="1.0" encoding="utf-8"?>
+<p:sld xmlns:a="http://schemas.openxmlformats.org/drawingml/2006/main" xmlns:r="http://schemas.openxmlformats.org/officeDocument/2006/relationships" xmlns:p="http://schemas.openxmlformats.org/presentationml/2006/main">
+  <p:cSld>
+    <p:spTree>
+      <p:nvGrpSpPr>
+        <p:cNvPr id="1" name=""/>
+        <p:cNvGrpSpPr/>
+        <p:nvPr/>
+      </p:nvGrpSpPr>
+      <p:grpSpPr>
+        <a:xfrm>
+          <a:off x="0" y="0"/>
+          <a:ext cx="0" cy="0"/>
+          <a:chOff x="0" y="0"/>
+          <a:chExt cx="0" cy="0"/>
+        </a:xfrm>
+      </p:grpSpPr>
+      <p:sp>
+        <p:nvSpPr>
+          <p:cNvPr id="2" name="Title 1">
+            <a:extLst>
+              <a:ext uri="{FF2B5EF4-FFF2-40B4-BE49-F238E27FC236}">
+                <a16:creationId xmlns:a16="http://schemas.microsoft.com/office/drawing/2014/main" id="{84A9F808-508C-B24C-82ED-1681F0ED863B}"/>
+              </a:ext>
+            </a:extLst>
+          </p:cNvPr>
+          <p:cNvSpPr>
+            <a:spLocks noGrp="1"/>
+          </p:cNvSpPr>
+          <p:nvPr>
+            <p:ph type="title"/>
+          </p:nvPr>
+        </p:nvSpPr>
+        <p:spPr/>
+        <p:txBody>
+          <a:bodyPr/>
+          <a:lstStyle/>
+          <a:p>
+            <a:r>
+              <a:rPr lang="en-US" dirty="0"/>
+              <a:t>After Deployment	</a:t>
+            </a:r>
+          </a:p>
+        </p:txBody>
+      </p:sp>
+      <p:sp>
+        <p:nvSpPr>
+          <p:cNvPr id="3" name="Content Placeholder 2">
+            <a:extLst>
+              <a:ext uri="{FF2B5EF4-FFF2-40B4-BE49-F238E27FC236}">
+                <a16:creationId xmlns:a16="http://schemas.microsoft.com/office/drawing/2014/main" id="{29AB91D9-B5D4-314F-ABC3-6FD99DC4D987}"/>
+              </a:ext>
+            </a:extLst>
+          </p:cNvPr>
+          <p:cNvSpPr>
+            <a:spLocks noGrp="1"/>
+          </p:cNvSpPr>
+          <p:nvPr>
+            <p:ph idx="1"/>
+          </p:nvPr>
+        </p:nvSpPr>
+        <p:spPr>
+          <a:xfrm>
+            <a:off x="1141412" y="2249487"/>
+            <a:ext cx="9905999" cy="1577078"/>
+          </a:xfrm>
+        </p:spPr>
+        <p:txBody>
+          <a:bodyPr/>
+          <a:lstStyle/>
+          <a:p>
+            <a:r>
+              <a:rPr lang="en-US" dirty="0"/>
+              <a:t>Check to make sure your application has the expected changes. Because Kubernetes/ECS does rolling updates, there is zero downtime. It typically takes 2-3 minutes for all the pods to terminate and deploy in order. </a:t>
+            </a:r>
+          </a:p>
+        </p:txBody>
+      </p:sp>
+      <p:pic>
+        <p:nvPicPr>
+          <p:cNvPr id="5" name="Picture 4" descr="A screenshot of a cell phone&#10;&#10;Description automatically generated">
+            <a:extLst>
+              <a:ext uri="{FF2B5EF4-FFF2-40B4-BE49-F238E27FC236}">
+                <a16:creationId xmlns:a16="http://schemas.microsoft.com/office/drawing/2014/main" id="{09949938-1627-DF42-96BB-626B22BD087F}"/>
+              </a:ext>
+            </a:extLst>
+          </p:cNvPr>
+          <p:cNvPicPr>
+            <a:picLocks noChangeAspect="1"/>
+          </p:cNvPicPr>
+          <p:nvPr/>
+        </p:nvPicPr>
+        <p:blipFill>
+          <a:blip r:embed="rId2"/>
+          <a:stretch>
+            <a:fillRect/>
+          </a:stretch>
+        </p:blipFill>
+        <p:spPr>
+          <a:xfrm>
+            <a:off x="2692124" y="4253948"/>
+            <a:ext cx="4203700" cy="1371600"/>
+          </a:xfrm>
+          <a:prstGeom prst="rect">
+            <a:avLst/>
+          </a:prstGeom>
+        </p:spPr>
+      </p:pic>
+    </p:spTree>
+    <p:extLst>
+      <p:ext uri="{BB962C8B-B14F-4D97-AF65-F5344CB8AC3E}">
+        <p14:creationId xmlns:p14="http://schemas.microsoft.com/office/powerpoint/2010/main" val="1789189730"/>
+      </p:ext>
+    </p:extLst>
+  </p:cSld>
+  <p:clrMapOvr>
+    <a:masterClrMapping/>
+  </p:clrMapOvr>
+</p:sld>
+</file>
+
 <file path=ppt/slides/slide2.xml><?xml version="1.0" encoding="utf-8"?>
 <p:sld xmlns:a="http://schemas.openxmlformats.org/drawingml/2006/main" xmlns:r="http://schemas.openxmlformats.org/officeDocument/2006/relationships" xmlns:p="http://schemas.openxmlformats.org/presentationml/2006/main">
   <p:cSld>
@@ -12479,13 +12607,13 @@
           <a:p>
             <a:r>
               <a:rPr lang="en-US" dirty="0"/>
-              <a:t>Small packaged container - easily reproducible across environments</a:t>
+              <a:t>Small packaged container - easily reproducible across environments.</a:t>
             </a:r>
           </a:p>
           <a:p>
             <a:r>
               <a:rPr lang="en-US" dirty="0"/>
-              <a:t>Rapid deployment - can be managed with Kubernetes/ECS</a:t>
+              <a:t>Rapid deployment - can be managed with Kubernetes/ECS.</a:t>
             </a:r>
           </a:p>
           <a:p>
@@ -12503,7 +12631,10 @@
               <a:rPr lang="en-US" dirty="0" err="1"/>
               <a:t>Dockerfile</a:t>
             </a:r>
-            <a:endParaRPr lang="en-US" dirty="0"/>
+            <a:r>
+              <a:rPr lang="en-US" dirty="0"/>
+              <a:t>.</a:t>
+            </a:r>
           </a:p>
           <a:p>
             <a:r>
@@ -12594,7 +12725,7 @@
           <a:p>
             <a:r>
               <a:rPr lang="en-US" dirty="0"/>
-              <a:t>Control and automate deployments and updates</a:t>
+              <a:t>Control and automate deployments and updates.</a:t>
             </a:r>
           </a:p>
           <a:p>
@@ -12606,13 +12737,13 @@
           <a:p>
             <a:r>
               <a:rPr lang="en-US" dirty="0"/>
-              <a:t>Orchestrate containers on multiple hosts</a:t>
+              <a:t>Orchestrate containers on multiple hosts.</a:t>
             </a:r>
           </a:p>
           <a:p>
             <a:r>
               <a:rPr lang="en-US" dirty="0"/>
-              <a:t>Self-monitoring/health checks</a:t>
+              <a:t>Self-monitoring/health checks.</a:t>
             </a:r>
           </a:p>
           <a:p>
@@ -12712,18 +12843,13 @@
             </a:r>
             <a:r>
               <a:rPr lang="en-US" dirty="0"/>
-              <a:t>. It can create and manage docker images, containers, </a:t>
+              <a:t>. It can create and manage docker images, containers, etc.</a:t>
             </a:r>
-            <a:r>
-              <a:rPr lang="en-US" dirty="0" err="1"/>
-              <a:t>etc</a:t>
-            </a:r>
-            <a:endParaRPr lang="en-US" dirty="0"/>
           </a:p>
           <a:p>
             <a:r>
               <a:rPr lang="en-US" dirty="0"/>
-              <a:t>Rest API – used to instruct docker daemon what to do</a:t>
+              <a:t>Rest API – used to instruct docker daemon what to do.</a:t>
             </a:r>
           </a:p>
           <a:p>
@@ -13105,28 +13231,106 @@
             <p:ph type="title"/>
           </p:nvPr>
         </p:nvSpPr>
-        <p:spPr/>
+        <p:spPr>
+          <a:xfrm>
+            <a:off x="982386" y="2079570"/>
+            <a:ext cx="3640652" cy="1478570"/>
+          </a:xfrm>
+        </p:spPr>
         <p:txBody>
-          <a:bodyPr/>
+          <a:bodyPr>
+            <a:normAutofit fontScale="90000"/>
+          </a:bodyPr>
           <a:lstStyle/>
           <a:p>
+            <a:pPr algn="ctr"/>
             <a:r>
               <a:rPr lang="en-US" dirty="0"/>
               <a:t>Docker </a:t>
             </a:r>
+            <a:br>
+              <a:rPr lang="en-US" dirty="0"/>
+            </a:br>
             <a:r>
-              <a:rPr lang="en-US"/>
-              <a:t>Build Process</a:t>
+              <a:rPr lang="en-US" dirty="0"/>
+              <a:t>Build </a:t>
+            </a:r>
+            <a:br>
+              <a:rPr lang="en-US" dirty="0"/>
+            </a:br>
+            <a:r>
+              <a:rPr lang="en-US" dirty="0"/>
+              <a:t>Process</a:t>
             </a:r>
           </a:p>
         </p:txBody>
       </p:sp>
+      <p:pic>
+        <p:nvPicPr>
+          <p:cNvPr id="7" name="Picture 6" descr="A screenshot of a cell phone&#10;&#10;Description automatically generated">
+            <a:extLst>
+              <a:ext uri="{FF2B5EF4-FFF2-40B4-BE49-F238E27FC236}">
+                <a16:creationId xmlns:a16="http://schemas.microsoft.com/office/drawing/2014/main" id="{549B9ECE-59DC-694A-912F-63F7130AD1B6}"/>
+              </a:ext>
+            </a:extLst>
+          </p:cNvPr>
+          <p:cNvPicPr>
+            <a:picLocks noChangeAspect="1"/>
+          </p:cNvPicPr>
+          <p:nvPr/>
+        </p:nvPicPr>
+        <p:blipFill>
+          <a:blip r:embed="rId2"/>
+          <a:stretch>
+            <a:fillRect/>
+          </a:stretch>
+        </p:blipFill>
+        <p:spPr>
+          <a:xfrm>
+            <a:off x="5123752" y="305508"/>
+            <a:ext cx="6318606" cy="6246984"/>
+          </a:xfrm>
+          <a:prstGeom prst="rect">
+            <a:avLst/>
+          </a:prstGeom>
+        </p:spPr>
+      </p:pic>
+    </p:spTree>
+    <p:extLst>
+      <p:ext uri="{BB962C8B-B14F-4D97-AF65-F5344CB8AC3E}">
+        <p14:creationId xmlns:p14="http://schemas.microsoft.com/office/powerpoint/2010/main" val="888985004"/>
+      </p:ext>
+    </p:extLst>
+  </p:cSld>
+  <p:clrMapOvr>
+    <a:masterClrMapping/>
+  </p:clrMapOvr>
+</p:sld>
+</file>
+
+<file path=ppt/slides/slide9.xml><?xml version="1.0" encoding="utf-8"?>
+<p:sld xmlns:a="http://schemas.openxmlformats.org/drawingml/2006/main" xmlns:r="http://schemas.openxmlformats.org/officeDocument/2006/relationships" xmlns:p="http://schemas.openxmlformats.org/presentationml/2006/main">
+  <p:cSld>
+    <p:spTree>
+      <p:nvGrpSpPr>
+        <p:cNvPr id="1" name=""/>
+        <p:cNvGrpSpPr/>
+        <p:nvPr/>
+      </p:nvGrpSpPr>
+      <p:grpSpPr>
+        <a:xfrm>
+          <a:off x="0" y="0"/>
+          <a:ext cx="0" cy="0"/>
+          <a:chOff x="0" y="0"/>
+          <a:chExt cx="0" cy="0"/>
+        </a:xfrm>
+      </p:grpSpPr>
       <p:sp>
         <p:nvSpPr>
-          <p:cNvPr id="3" name="Content Placeholder 2">
+          <p:cNvPr id="2" name="Title 1">
             <a:extLst>
               <a:ext uri="{FF2B5EF4-FFF2-40B4-BE49-F238E27FC236}">
-                <a16:creationId xmlns:a16="http://schemas.microsoft.com/office/drawing/2014/main" id="{AC57BBD2-06D9-1D47-B5C4-F8E7BB7DFA94}"/>
+                <a16:creationId xmlns:a16="http://schemas.microsoft.com/office/drawing/2014/main" id="{38C1F80A-F98C-6644-A4A0-4093C307D5EA}"/>
               </a:ext>
             </a:extLst>
           </p:cNvPr>
@@ -13134,7 +13338,7 @@
             <a:spLocks noGrp="1"/>
           </p:cNvSpPr>
           <p:nvPr>
-            <p:ph idx="1"/>
+            <p:ph type="title"/>
           </p:nvPr>
         </p:nvSpPr>
         <p:spPr/>
@@ -13142,14 +13346,48 @@
           <a:bodyPr/>
           <a:lstStyle/>
           <a:p>
-            <a:endParaRPr lang="en-US"/>
+            <a:pPr algn="ctr"/>
+            <a:r>
+              <a:rPr lang="en-US" dirty="0"/>
+              <a:t>Kubernetes Update Process</a:t>
+            </a:r>
           </a:p>
         </p:txBody>
       </p:sp>
+      <p:pic>
+        <p:nvPicPr>
+          <p:cNvPr id="5" name="Picture 4" descr="A picture containing black&#10;&#10;Description automatically generated">
+            <a:extLst>
+              <a:ext uri="{FF2B5EF4-FFF2-40B4-BE49-F238E27FC236}">
+                <a16:creationId xmlns:a16="http://schemas.microsoft.com/office/drawing/2014/main" id="{60E3D3DD-A43A-8C4E-9276-1BED0937C0DF}"/>
+              </a:ext>
+            </a:extLst>
+          </p:cNvPr>
+          <p:cNvPicPr>
+            <a:picLocks noChangeAspect="1"/>
+          </p:cNvPicPr>
+          <p:nvPr/>
+        </p:nvPicPr>
+        <p:blipFill>
+          <a:blip r:embed="rId2"/>
+          <a:stretch>
+            <a:fillRect/>
+          </a:stretch>
+        </p:blipFill>
+        <p:spPr>
+          <a:xfrm>
+            <a:off x="881062" y="2097088"/>
+            <a:ext cx="10426700" cy="3175000"/>
+          </a:xfrm>
+          <a:prstGeom prst="rect">
+            <a:avLst/>
+          </a:prstGeom>
+        </p:spPr>
+      </p:pic>
     </p:spTree>
     <p:extLst>
       <p:ext uri="{BB962C8B-B14F-4D97-AF65-F5344CB8AC3E}">
-        <p14:creationId xmlns:p14="http://schemas.microsoft.com/office/powerpoint/2010/main" val="888985004"/>
+        <p14:creationId xmlns:p14="http://schemas.microsoft.com/office/powerpoint/2010/main" val="2101870629"/>
       </p:ext>
     </p:extLst>
   </p:cSld>

--- a/DockerPresentationHelloWorld.pptx
+++ b/DockerPresentationHelloWorld.pptx
@@ -9,12 +9,13 @@
     <p:sldId id="257" r:id="rId3"/>
     <p:sldId id="258" r:id="rId4"/>
     <p:sldId id="259" r:id="rId5"/>
-    <p:sldId id="260" r:id="rId6"/>
-    <p:sldId id="261" r:id="rId7"/>
-    <p:sldId id="262" r:id="rId8"/>
-    <p:sldId id="263" r:id="rId9"/>
-    <p:sldId id="264" r:id="rId10"/>
-    <p:sldId id="265" r:id="rId11"/>
+    <p:sldId id="266" r:id="rId6"/>
+    <p:sldId id="260" r:id="rId7"/>
+    <p:sldId id="261" r:id="rId8"/>
+    <p:sldId id="262" r:id="rId9"/>
+    <p:sldId id="263" r:id="rId10"/>
+    <p:sldId id="264" r:id="rId11"/>
+    <p:sldId id="265" r:id="rId12"/>
   </p:sldIdLst>
   <p:sldSz cx="12192000" cy="6858000"/>
   <p:notesSz cx="6858000" cy="9144000"/>
@@ -171,7 +172,7 @@
           <a:noFill/>
           <a:extLst>
             <a:ext uri="{909E8E84-426E-40dd-AFC4-6F175D3DCCD1}">
-              <a14:hiddenFill xmlns="" xmlns:a14="http://schemas.microsoft.com/office/drawing/2010/main">
+              <a14:hiddenFill xmlns:a14="http://schemas.microsoft.com/office/drawing/2010/main" xmlns="">
                 <a:solidFill>
                   <a:srgbClr val="FFFFFF"/>
                 </a:solidFill>
@@ -231,7 +232,7 @@
             </a:ln>
             <a:extLst>
               <a:ext uri="{91240B29-F687-4f45-9708-019B960494DF}">
-                <a14:hiddenLine xmlns="" xmlns:a14="http://schemas.microsoft.com/office/drawing/2010/main" w="9525">
+                <a14:hiddenLine xmlns:a14="http://schemas.microsoft.com/office/drawing/2010/main" xmlns="" w="9525">
                   <a:solidFill>
                     <a:srgbClr val="000000"/>
                   </a:solidFill>
@@ -321,7 +322,7 @@
             </a:ln>
             <a:extLst>
               <a:ext uri="{91240B29-F687-4f45-9708-019B960494DF}">
-                <a14:hiddenLine xmlns="" xmlns:a14="http://schemas.microsoft.com/office/drawing/2010/main" w="9525">
+                <a14:hiddenLine xmlns:a14="http://schemas.microsoft.com/office/drawing/2010/main" xmlns="" w="9525">
                   <a:solidFill>
                     <a:srgbClr val="000000"/>
                   </a:solidFill>
@@ -411,7 +412,7 @@
             </a:ln>
             <a:extLst>
               <a:ext uri="{91240B29-F687-4f45-9708-019B960494DF}">
-                <a14:hiddenLine xmlns="" xmlns:a14="http://schemas.microsoft.com/office/drawing/2010/main" w="9525">
+                <a14:hiddenLine xmlns:a14="http://schemas.microsoft.com/office/drawing/2010/main" xmlns="" w="9525">
                   <a:solidFill>
                     <a:srgbClr val="000000"/>
                   </a:solidFill>
@@ -445,7 +446,7 @@
             </a:ln>
             <a:extLst>
               <a:ext uri="{91240B29-F687-4f45-9708-019B960494DF}">
-                <a14:hiddenLine xmlns="" xmlns:a14="http://schemas.microsoft.com/office/drawing/2010/main" w="9525">
+                <a14:hiddenLine xmlns:a14="http://schemas.microsoft.com/office/drawing/2010/main" xmlns="" w="9525">
                   <a:solidFill>
                     <a:srgbClr val="000000"/>
                   </a:solidFill>
@@ -535,7 +536,7 @@
             </a:ln>
             <a:extLst>
               <a:ext uri="{91240B29-F687-4f45-9708-019B960494DF}">
-                <a14:hiddenLine xmlns="" xmlns:a14="http://schemas.microsoft.com/office/drawing/2010/main" w="9525">
+                <a14:hiddenLine xmlns:a14="http://schemas.microsoft.com/office/drawing/2010/main" xmlns="" w="9525">
                   <a:solidFill>
                     <a:srgbClr val="000000"/>
                   </a:solidFill>
@@ -597,7 +598,7 @@
             </a:ln>
             <a:extLst>
               <a:ext uri="{91240B29-F687-4f45-9708-019B960494DF}">
-                <a14:hiddenLine xmlns="" xmlns:a14="http://schemas.microsoft.com/office/drawing/2010/main" w="9525">
+                <a14:hiddenLine xmlns:a14="http://schemas.microsoft.com/office/drawing/2010/main" xmlns="" w="9525">
                   <a:solidFill>
                     <a:srgbClr val="000000"/>
                   </a:solidFill>
@@ -659,7 +660,7 @@
             </a:ln>
             <a:extLst>
               <a:ext uri="{91240B29-F687-4f45-9708-019B960494DF}">
-                <a14:hiddenLine xmlns="" xmlns:a14="http://schemas.microsoft.com/office/drawing/2010/main" w="9525">
+                <a14:hiddenLine xmlns:a14="http://schemas.microsoft.com/office/drawing/2010/main" xmlns="" w="9525">
                   <a:solidFill>
                     <a:srgbClr val="000000"/>
                   </a:solidFill>
@@ -749,7 +750,7 @@
             </a:ln>
             <a:extLst>
               <a:ext uri="{91240B29-F687-4f45-9708-019B960494DF}">
-                <a14:hiddenLine xmlns="" xmlns:a14="http://schemas.microsoft.com/office/drawing/2010/main" w="9525">
+                <a14:hiddenLine xmlns:a14="http://schemas.microsoft.com/office/drawing/2010/main" xmlns="" w="9525">
                   <a:solidFill>
                     <a:srgbClr val="000000"/>
                   </a:solidFill>
@@ -811,7 +812,7 @@
             </a:ln>
             <a:extLst>
               <a:ext uri="{91240B29-F687-4f45-9708-019B960494DF}">
-                <a14:hiddenLine xmlns="" xmlns:a14="http://schemas.microsoft.com/office/drawing/2010/main" w="9525">
+                <a14:hiddenLine xmlns:a14="http://schemas.microsoft.com/office/drawing/2010/main" xmlns="" w="9525">
                   <a:solidFill>
                     <a:srgbClr val="000000"/>
                   </a:solidFill>
@@ -873,7 +874,7 @@
             </a:ln>
             <a:extLst>
               <a:ext uri="{91240B29-F687-4f45-9708-019B960494DF}">
-                <a14:hiddenLine xmlns="" xmlns:a14="http://schemas.microsoft.com/office/drawing/2010/main" w="9525">
+                <a14:hiddenLine xmlns:a14="http://schemas.microsoft.com/office/drawing/2010/main" xmlns="" w="9525">
                   <a:solidFill>
                     <a:srgbClr val="000000"/>
                   </a:solidFill>
@@ -963,7 +964,7 @@
             </a:ln>
             <a:extLst>
               <a:ext uri="{91240B29-F687-4f45-9708-019B960494DF}">
-                <a14:hiddenLine xmlns="" xmlns:a14="http://schemas.microsoft.com/office/drawing/2010/main" w="9525">
+                <a14:hiddenLine xmlns:a14="http://schemas.microsoft.com/office/drawing/2010/main" xmlns="" w="9525">
                   <a:solidFill>
                     <a:srgbClr val="000000"/>
                   </a:solidFill>
@@ -1053,7 +1054,7 @@
             </a:ln>
             <a:extLst>
               <a:ext uri="{91240B29-F687-4f45-9708-019B960494DF}">
-                <a14:hiddenLine xmlns="" xmlns:a14="http://schemas.microsoft.com/office/drawing/2010/main" w="9525">
+                <a14:hiddenLine xmlns:a14="http://schemas.microsoft.com/office/drawing/2010/main" xmlns="" w="9525">
                   <a:solidFill>
                     <a:srgbClr val="000000"/>
                   </a:solidFill>
@@ -1115,7 +1116,7 @@
             </a:ln>
             <a:extLst>
               <a:ext uri="{91240B29-F687-4f45-9708-019B960494DF}">
-                <a14:hiddenLine xmlns="" xmlns:a14="http://schemas.microsoft.com/office/drawing/2010/main" w="9525">
+                <a14:hiddenLine xmlns:a14="http://schemas.microsoft.com/office/drawing/2010/main" xmlns="" w="9525">
                   <a:solidFill>
                     <a:srgbClr val="000000"/>
                   </a:solidFill>
@@ -1225,7 +1226,7 @@
             </a:ln>
             <a:extLst>
               <a:ext uri="{91240B29-F687-4f45-9708-019B960494DF}">
-                <a14:hiddenLine xmlns="" xmlns:a14="http://schemas.microsoft.com/office/drawing/2010/main" w="9525">
+                <a14:hiddenLine xmlns:a14="http://schemas.microsoft.com/office/drawing/2010/main" xmlns="" w="9525">
                   <a:solidFill>
                     <a:srgbClr val="000000"/>
                   </a:solidFill>
@@ -1287,7 +1288,7 @@
             </a:ln>
             <a:extLst>
               <a:ext uri="{91240B29-F687-4f45-9708-019B960494DF}">
-                <a14:hiddenLine xmlns="" xmlns:a14="http://schemas.microsoft.com/office/drawing/2010/main" w="9525">
+                <a14:hiddenLine xmlns:a14="http://schemas.microsoft.com/office/drawing/2010/main" xmlns="" w="9525">
                   <a:solidFill>
                     <a:srgbClr val="000000"/>
                   </a:solidFill>
@@ -1377,7 +1378,7 @@
             </a:ln>
             <a:extLst>
               <a:ext uri="{91240B29-F687-4f45-9708-019B960494DF}">
-                <a14:hiddenLine xmlns="" xmlns:a14="http://schemas.microsoft.com/office/drawing/2010/main" w="9525">
+                <a14:hiddenLine xmlns:a14="http://schemas.microsoft.com/office/drawing/2010/main" xmlns="" w="9525">
                   <a:solidFill>
                     <a:srgbClr val="000000"/>
                   </a:solidFill>
@@ -1467,7 +1468,7 @@
             </a:ln>
             <a:extLst>
               <a:ext uri="{91240B29-F687-4f45-9708-019B960494DF}">
-                <a14:hiddenLine xmlns="" xmlns:a14="http://schemas.microsoft.com/office/drawing/2010/main" w="9525">
+                <a14:hiddenLine xmlns:a14="http://schemas.microsoft.com/office/drawing/2010/main" xmlns="" w="9525">
                   <a:solidFill>
                     <a:srgbClr val="000000"/>
                   </a:solidFill>
@@ -1529,7 +1530,7 @@
             </a:ln>
             <a:extLst>
               <a:ext uri="{91240B29-F687-4f45-9708-019B960494DF}">
-                <a14:hiddenLine xmlns="" xmlns:a14="http://schemas.microsoft.com/office/drawing/2010/main" w="9525">
+                <a14:hiddenLine xmlns:a14="http://schemas.microsoft.com/office/drawing/2010/main" xmlns="" w="9525">
                   <a:solidFill>
                     <a:srgbClr val="000000"/>
                   </a:solidFill>
@@ -1619,7 +1620,7 @@
             </a:ln>
             <a:extLst>
               <a:ext uri="{91240B29-F687-4f45-9708-019B960494DF}">
-                <a14:hiddenLine xmlns="" xmlns:a14="http://schemas.microsoft.com/office/drawing/2010/main" w="9525">
+                <a14:hiddenLine xmlns:a14="http://schemas.microsoft.com/office/drawing/2010/main" xmlns="" w="9525">
                   <a:solidFill>
                     <a:srgbClr val="000000"/>
                   </a:solidFill>
@@ -1709,7 +1710,7 @@
             </a:ln>
             <a:extLst>
               <a:ext uri="{91240B29-F687-4f45-9708-019B960494DF}">
-                <a14:hiddenLine xmlns="" xmlns:a14="http://schemas.microsoft.com/office/drawing/2010/main" w="9525">
+                <a14:hiddenLine xmlns:a14="http://schemas.microsoft.com/office/drawing/2010/main" xmlns="" w="9525">
                   <a:solidFill>
                     <a:srgbClr val="000000"/>
                   </a:solidFill>
@@ -1765,7 +1766,7 @@
             </a:ln>
             <a:extLst>
               <a:ext uri="{91240B29-F687-4f45-9708-019B960494DF}">
-                <a14:hiddenLine xmlns="" xmlns:a14="http://schemas.microsoft.com/office/drawing/2010/main" w="9525">
+                <a14:hiddenLine xmlns:a14="http://schemas.microsoft.com/office/drawing/2010/main" xmlns="" w="9525">
                   <a:solidFill>
                     <a:srgbClr val="000000"/>
                   </a:solidFill>
@@ -1855,7 +1856,7 @@
             </a:ln>
             <a:extLst>
               <a:ext uri="{91240B29-F687-4f45-9708-019B960494DF}">
-                <a14:hiddenLine xmlns="" xmlns:a14="http://schemas.microsoft.com/office/drawing/2010/main" w="9525">
+                <a14:hiddenLine xmlns:a14="http://schemas.microsoft.com/office/drawing/2010/main" xmlns="" w="9525">
                   <a:solidFill>
                     <a:srgbClr val="000000"/>
                   </a:solidFill>
@@ -1911,7 +1912,7 @@
             </a:ln>
             <a:extLst>
               <a:ext uri="{91240B29-F687-4f45-9708-019B960494DF}">
-                <a14:hiddenLine xmlns="" xmlns:a14="http://schemas.microsoft.com/office/drawing/2010/main" w="9525">
+                <a14:hiddenLine xmlns:a14="http://schemas.microsoft.com/office/drawing/2010/main" xmlns="" w="9525">
                   <a:solidFill>
                     <a:srgbClr val="000000"/>
                   </a:solidFill>
@@ -2001,7 +2002,7 @@
             </a:ln>
             <a:extLst>
               <a:ext uri="{91240B29-F687-4f45-9708-019B960494DF}">
-                <a14:hiddenLine xmlns="" xmlns:a14="http://schemas.microsoft.com/office/drawing/2010/main" w="9525">
+                <a14:hiddenLine xmlns:a14="http://schemas.microsoft.com/office/drawing/2010/main" xmlns="" w="9525">
                   <a:solidFill>
                     <a:srgbClr val="000000"/>
                   </a:solidFill>
@@ -2069,7 +2070,7 @@
             </a:ln>
             <a:extLst>
               <a:ext uri="{91240B29-F687-4f45-9708-019B960494DF}">
-                <a14:hiddenLine xmlns="" xmlns:a14="http://schemas.microsoft.com/office/drawing/2010/main" w="9525">
+                <a14:hiddenLine xmlns:a14="http://schemas.microsoft.com/office/drawing/2010/main" xmlns="" w="9525">
                   <a:solidFill>
                     <a:srgbClr val="000000"/>
                   </a:solidFill>
@@ -2159,7 +2160,7 @@
             </a:ln>
             <a:extLst>
               <a:ext uri="{91240B29-F687-4f45-9708-019B960494DF}">
-                <a14:hiddenLine xmlns="" xmlns:a14="http://schemas.microsoft.com/office/drawing/2010/main" w="9525">
+                <a14:hiddenLine xmlns:a14="http://schemas.microsoft.com/office/drawing/2010/main" xmlns="" w="9525">
                   <a:solidFill>
                     <a:srgbClr val="000000"/>
                   </a:solidFill>
@@ -2227,7 +2228,7 @@
             </a:ln>
             <a:extLst>
               <a:ext uri="{91240B29-F687-4f45-9708-019B960494DF}">
-                <a14:hiddenLine xmlns="" xmlns:a14="http://schemas.microsoft.com/office/drawing/2010/main" w="9525">
+                <a14:hiddenLine xmlns:a14="http://schemas.microsoft.com/office/drawing/2010/main" xmlns="" w="9525">
                   <a:solidFill>
                     <a:srgbClr val="000000"/>
                   </a:solidFill>
@@ -2317,7 +2318,7 @@
             </a:ln>
             <a:extLst>
               <a:ext uri="{91240B29-F687-4f45-9708-019B960494DF}">
-                <a14:hiddenLine xmlns="" xmlns:a14="http://schemas.microsoft.com/office/drawing/2010/main" w="9525">
+                <a14:hiddenLine xmlns:a14="http://schemas.microsoft.com/office/drawing/2010/main" xmlns="" w="9525">
                   <a:solidFill>
                     <a:srgbClr val="000000"/>
                   </a:solidFill>
@@ -2351,7 +2352,7 @@
             </a:ln>
             <a:extLst>
               <a:ext uri="{91240B29-F687-4f45-9708-019B960494DF}">
-                <a14:hiddenLine xmlns="" xmlns:a14="http://schemas.microsoft.com/office/drawing/2010/main" w="9525">
+                <a14:hiddenLine xmlns:a14="http://schemas.microsoft.com/office/drawing/2010/main" xmlns="" w="9525">
                   <a:solidFill>
                     <a:srgbClr val="000000"/>
                   </a:solidFill>
@@ -2441,7 +2442,7 @@
             </a:ln>
             <a:extLst>
               <a:ext uri="{91240B29-F687-4f45-9708-019B960494DF}">
-                <a14:hiddenLine xmlns="" xmlns:a14="http://schemas.microsoft.com/office/drawing/2010/main" w="9525">
+                <a14:hiddenLine xmlns:a14="http://schemas.microsoft.com/office/drawing/2010/main" xmlns="" w="9525">
                   <a:solidFill>
                     <a:srgbClr val="000000"/>
                   </a:solidFill>
@@ -2503,7 +2504,7 @@
             </a:ln>
             <a:extLst>
               <a:ext uri="{91240B29-F687-4f45-9708-019B960494DF}">
-                <a14:hiddenLine xmlns="" xmlns:a14="http://schemas.microsoft.com/office/drawing/2010/main" w="9525">
+                <a14:hiddenLine xmlns:a14="http://schemas.microsoft.com/office/drawing/2010/main" xmlns="" w="9525">
                   <a:solidFill>
                     <a:srgbClr val="000000"/>
                   </a:solidFill>
@@ -2565,7 +2566,7 @@
             </a:ln>
             <a:extLst>
               <a:ext uri="{91240B29-F687-4f45-9708-019B960494DF}">
-                <a14:hiddenLine xmlns="" xmlns:a14="http://schemas.microsoft.com/office/drawing/2010/main" w="9525">
+                <a14:hiddenLine xmlns:a14="http://schemas.microsoft.com/office/drawing/2010/main" xmlns="" w="9525">
                   <a:solidFill>
                     <a:srgbClr val="000000"/>
                   </a:solidFill>
@@ -2655,7 +2656,7 @@
             </a:ln>
             <a:extLst>
               <a:ext uri="{91240B29-F687-4f45-9708-019B960494DF}">
-                <a14:hiddenLine xmlns="" xmlns:a14="http://schemas.microsoft.com/office/drawing/2010/main" w="9525">
+                <a14:hiddenLine xmlns:a14="http://schemas.microsoft.com/office/drawing/2010/main" xmlns="" w="9525">
                   <a:solidFill>
                     <a:srgbClr val="000000"/>
                   </a:solidFill>
@@ -2723,7 +2724,7 @@
             </a:ln>
             <a:extLst>
               <a:ext uri="{91240B29-F687-4f45-9708-019B960494DF}">
-                <a14:hiddenLine xmlns="" xmlns:a14="http://schemas.microsoft.com/office/drawing/2010/main" w="9525">
+                <a14:hiddenLine xmlns:a14="http://schemas.microsoft.com/office/drawing/2010/main" xmlns="" w="9525">
                   <a:solidFill>
                     <a:srgbClr val="000000"/>
                   </a:solidFill>
@@ -2785,7 +2786,7 @@
             </a:ln>
             <a:extLst>
               <a:ext uri="{91240B29-F687-4f45-9708-019B960494DF}">
-                <a14:hiddenLine xmlns="" xmlns:a14="http://schemas.microsoft.com/office/drawing/2010/main" w="9525">
+                <a14:hiddenLine xmlns:a14="http://schemas.microsoft.com/office/drawing/2010/main" xmlns="" w="9525">
                   <a:solidFill>
                     <a:srgbClr val="000000"/>
                   </a:solidFill>
@@ -2875,7 +2876,7 @@
             </a:ln>
             <a:extLst>
               <a:ext uri="{91240B29-F687-4f45-9708-019B960494DF}">
-                <a14:hiddenLine xmlns="" xmlns:a14="http://schemas.microsoft.com/office/drawing/2010/main" w="9525">
+                <a14:hiddenLine xmlns:a14="http://schemas.microsoft.com/office/drawing/2010/main" xmlns="" w="9525">
                   <a:solidFill>
                     <a:srgbClr val="000000"/>
                   </a:solidFill>
@@ -2937,7 +2938,7 @@
             </a:ln>
             <a:extLst>
               <a:ext uri="{91240B29-F687-4f45-9708-019B960494DF}">
-                <a14:hiddenLine xmlns="" xmlns:a14="http://schemas.microsoft.com/office/drawing/2010/main" w="9525">
+                <a14:hiddenLine xmlns:a14="http://schemas.microsoft.com/office/drawing/2010/main" xmlns="" w="9525">
                   <a:solidFill>
                     <a:srgbClr val="000000"/>
                   </a:solidFill>
@@ -3027,7 +3028,7 @@
             </a:ln>
             <a:extLst>
               <a:ext uri="{91240B29-F687-4f45-9708-019B960494DF}">
-                <a14:hiddenLine xmlns="" xmlns:a14="http://schemas.microsoft.com/office/drawing/2010/main" w="9525">
+                <a14:hiddenLine xmlns:a14="http://schemas.microsoft.com/office/drawing/2010/main" xmlns="" w="9525">
                   <a:solidFill>
                     <a:srgbClr val="000000"/>
                   </a:solidFill>
@@ -3089,7 +3090,7 @@
             </a:ln>
             <a:extLst>
               <a:ext uri="{91240B29-F687-4f45-9708-019B960494DF}">
-                <a14:hiddenLine xmlns="" xmlns:a14="http://schemas.microsoft.com/office/drawing/2010/main" w="9525">
+                <a14:hiddenLine xmlns:a14="http://schemas.microsoft.com/office/drawing/2010/main" xmlns="" w="9525">
                   <a:solidFill>
                     <a:srgbClr val="000000"/>
                   </a:solidFill>
@@ -3179,7 +3180,7 @@
             </a:ln>
             <a:extLst>
               <a:ext uri="{91240B29-F687-4f45-9708-019B960494DF}">
-                <a14:hiddenLine xmlns="" xmlns:a14="http://schemas.microsoft.com/office/drawing/2010/main" w="9525">
+                <a14:hiddenLine xmlns:a14="http://schemas.microsoft.com/office/drawing/2010/main" xmlns="" w="9525">
                   <a:solidFill>
                     <a:srgbClr val="000000"/>
                   </a:solidFill>
@@ -3213,7 +3214,7 @@
             </a:ln>
             <a:extLst>
               <a:ext uri="{91240B29-F687-4f45-9708-019B960494DF}">
-                <a14:hiddenLine xmlns="" xmlns:a14="http://schemas.microsoft.com/office/drawing/2010/main" w="9525">
+                <a14:hiddenLine xmlns:a14="http://schemas.microsoft.com/office/drawing/2010/main" xmlns="" w="9525">
                   <a:solidFill>
                     <a:srgbClr val="000000"/>
                   </a:solidFill>
@@ -3278,7 +3279,7 @@
             </a:ln>
             <a:extLst>
               <a:ext uri="{91240B29-F687-4f45-9708-019B960494DF}">
-                <a14:hiddenLine xmlns="" xmlns:a14="http://schemas.microsoft.com/office/drawing/2010/main" w="9525">
+                <a14:hiddenLine xmlns:a14="http://schemas.microsoft.com/office/drawing/2010/main" xmlns="" w="9525">
                   <a:solidFill>
                     <a:srgbClr val="000000"/>
                   </a:solidFill>
@@ -3368,7 +3369,7 @@
             </a:ln>
             <a:extLst>
               <a:ext uri="{91240B29-F687-4f45-9708-019B960494DF}">
-                <a14:hiddenLine xmlns="" xmlns:a14="http://schemas.microsoft.com/office/drawing/2010/main" w="9525">
+                <a14:hiddenLine xmlns:a14="http://schemas.microsoft.com/office/drawing/2010/main" xmlns="" w="9525">
                   <a:solidFill>
                     <a:srgbClr val="000000"/>
                   </a:solidFill>
@@ -3430,7 +3431,7 @@
             </a:ln>
             <a:extLst>
               <a:ext uri="{91240B29-F687-4f45-9708-019B960494DF}">
-                <a14:hiddenLine xmlns="" xmlns:a14="http://schemas.microsoft.com/office/drawing/2010/main" w="9525">
+                <a14:hiddenLine xmlns:a14="http://schemas.microsoft.com/office/drawing/2010/main" xmlns="" w="9525">
                   <a:solidFill>
                     <a:srgbClr val="000000"/>
                   </a:solidFill>
@@ -3520,7 +3521,7 @@
             </a:ln>
             <a:extLst>
               <a:ext uri="{91240B29-F687-4f45-9708-019B960494DF}">
-                <a14:hiddenLine xmlns="" xmlns:a14="http://schemas.microsoft.com/office/drawing/2010/main" w="9525">
+                <a14:hiddenLine xmlns:a14="http://schemas.microsoft.com/office/drawing/2010/main" xmlns="" w="9525">
                   <a:solidFill>
                     <a:srgbClr val="000000"/>
                   </a:solidFill>
@@ -3610,7 +3611,7 @@
             </a:ln>
             <a:extLst>
               <a:ext uri="{91240B29-F687-4f45-9708-019B960494DF}">
-                <a14:hiddenLine xmlns="" xmlns:a14="http://schemas.microsoft.com/office/drawing/2010/main" w="9525">
+                <a14:hiddenLine xmlns:a14="http://schemas.microsoft.com/office/drawing/2010/main" xmlns="" w="9525">
                   <a:solidFill>
                     <a:srgbClr val="000000"/>
                   </a:solidFill>
@@ -3675,7 +3676,7 @@
             </a:ln>
             <a:extLst>
               <a:ext uri="{91240B29-F687-4f45-9708-019B960494DF}">
-                <a14:hiddenLine xmlns="" xmlns:a14="http://schemas.microsoft.com/office/drawing/2010/main" w="9525">
+                <a14:hiddenLine xmlns:a14="http://schemas.microsoft.com/office/drawing/2010/main" xmlns="" w="9525">
                   <a:solidFill>
                     <a:srgbClr val="000000"/>
                   </a:solidFill>
@@ -3737,7 +3738,7 @@
             </a:ln>
             <a:extLst>
               <a:ext uri="{91240B29-F687-4f45-9708-019B960494DF}">
-                <a14:hiddenLine xmlns="" xmlns:a14="http://schemas.microsoft.com/office/drawing/2010/main" w="9525">
+                <a14:hiddenLine xmlns:a14="http://schemas.microsoft.com/office/drawing/2010/main" xmlns="" w="9525">
                   <a:solidFill>
                     <a:srgbClr val="000000"/>
                   </a:solidFill>
@@ -3827,7 +3828,7 @@
             </a:ln>
             <a:extLst>
               <a:ext uri="{91240B29-F687-4f45-9708-019B960494DF}">
-                <a14:hiddenLine xmlns="" xmlns:a14="http://schemas.microsoft.com/office/drawing/2010/main" w="9525">
+                <a14:hiddenLine xmlns:a14="http://schemas.microsoft.com/office/drawing/2010/main" xmlns="" w="9525">
                   <a:solidFill>
                     <a:srgbClr val="000000"/>
                   </a:solidFill>
@@ -3917,7 +3918,7 @@
             </a:ln>
             <a:extLst>
               <a:ext uri="{91240B29-F687-4f45-9708-019B960494DF}">
-                <a14:hiddenLine xmlns="" xmlns:a14="http://schemas.microsoft.com/office/drawing/2010/main" w="9525">
+                <a14:hiddenLine xmlns:a14="http://schemas.microsoft.com/office/drawing/2010/main" xmlns="" w="9525">
                   <a:solidFill>
                     <a:srgbClr val="000000"/>
                   </a:solidFill>
@@ -3979,7 +3980,7 @@
             </a:ln>
             <a:extLst>
               <a:ext uri="{91240B29-F687-4f45-9708-019B960494DF}">
-                <a14:hiddenLine xmlns="" xmlns:a14="http://schemas.microsoft.com/office/drawing/2010/main" w="9525">
+                <a14:hiddenLine xmlns:a14="http://schemas.microsoft.com/office/drawing/2010/main" xmlns="" w="9525">
                   <a:solidFill>
                     <a:srgbClr val="000000"/>
                   </a:solidFill>
@@ -4099,7 +4100,7 @@
             </a:ln>
             <a:extLst>
               <a:ext uri="{91240B29-F687-4f45-9708-019B960494DF}">
-                <a14:hiddenLine xmlns="" xmlns:a14="http://schemas.microsoft.com/office/drawing/2010/main" w="9525">
+                <a14:hiddenLine xmlns:a14="http://schemas.microsoft.com/office/drawing/2010/main" xmlns="" w="9525">
                   <a:solidFill>
                     <a:srgbClr val="000000"/>
                   </a:solidFill>
@@ -4167,7 +4168,7 @@
             </a:ln>
             <a:extLst>
               <a:ext uri="{91240B29-F687-4f45-9708-019B960494DF}">
-                <a14:hiddenLine xmlns="" xmlns:a14="http://schemas.microsoft.com/office/drawing/2010/main" w="9525">
+                <a14:hiddenLine xmlns:a14="http://schemas.microsoft.com/office/drawing/2010/main" xmlns="" w="9525">
                   <a:solidFill>
                     <a:srgbClr val="000000"/>
                   </a:solidFill>
@@ -4257,7 +4258,7 @@
             </a:ln>
             <a:extLst>
               <a:ext uri="{91240B29-F687-4f45-9708-019B960494DF}">
-                <a14:hiddenLine xmlns="" xmlns:a14="http://schemas.microsoft.com/office/drawing/2010/main" w="9525">
+                <a14:hiddenLine xmlns:a14="http://schemas.microsoft.com/office/drawing/2010/main" xmlns="" w="9525">
                   <a:solidFill>
                     <a:srgbClr val="000000"/>
                   </a:solidFill>
@@ -8979,7 +8980,7 @@
           <a:noFill/>
           <a:extLst>
             <a:ext uri="{909E8E84-426E-40dd-AFC4-6F175D3DCCD1}">
-              <a14:hiddenFill xmlns="" xmlns:a14="http://schemas.microsoft.com/office/drawing/2010/main">
+              <a14:hiddenFill xmlns:a14="http://schemas.microsoft.com/office/drawing/2010/main" xmlns="">
                 <a:solidFill>
                   <a:srgbClr val="FFFFFF"/>
                 </a:solidFill>
@@ -9053,7 +9054,7 @@
               </a:ln>
               <a:extLst>
                 <a:ext uri="{91240B29-F687-4f45-9708-019B960494DF}">
-                  <a14:hiddenLine xmlns="" xmlns:a14="http://schemas.microsoft.com/office/drawing/2010/main" w="9525">
+                  <a14:hiddenLine xmlns:a14="http://schemas.microsoft.com/office/drawing/2010/main" xmlns="" w="9525">
                     <a:solidFill>
                       <a:srgbClr val="000000"/>
                     </a:solidFill>
@@ -9143,7 +9144,7 @@
               </a:ln>
               <a:extLst>
                 <a:ext uri="{91240B29-F687-4f45-9708-019B960494DF}">
-                  <a14:hiddenLine xmlns="" xmlns:a14="http://schemas.microsoft.com/office/drawing/2010/main" w="9525">
+                  <a14:hiddenLine xmlns:a14="http://schemas.microsoft.com/office/drawing/2010/main" xmlns="" w="9525">
                     <a:solidFill>
                       <a:srgbClr val="000000"/>
                     </a:solidFill>
@@ -9233,7 +9234,7 @@
               </a:ln>
               <a:extLst>
                 <a:ext uri="{91240B29-F687-4f45-9708-019B960494DF}">
-                  <a14:hiddenLine xmlns="" xmlns:a14="http://schemas.microsoft.com/office/drawing/2010/main" w="9525">
+                  <a14:hiddenLine xmlns:a14="http://schemas.microsoft.com/office/drawing/2010/main" xmlns="" w="9525">
                     <a:solidFill>
                       <a:srgbClr val="000000"/>
                     </a:solidFill>
@@ -9295,7 +9296,7 @@
               </a:ln>
               <a:extLst>
                 <a:ext uri="{91240B29-F687-4f45-9708-019B960494DF}">
-                  <a14:hiddenLine xmlns="" xmlns:a14="http://schemas.microsoft.com/office/drawing/2010/main" w="9525">
+                  <a14:hiddenLine xmlns:a14="http://schemas.microsoft.com/office/drawing/2010/main" xmlns="" w="9525">
                     <a:solidFill>
                       <a:srgbClr val="000000"/>
                     </a:solidFill>
@@ -9385,7 +9386,7 @@
               </a:ln>
               <a:extLst>
                 <a:ext uri="{91240B29-F687-4f45-9708-019B960494DF}">
-                  <a14:hiddenLine xmlns="" xmlns:a14="http://schemas.microsoft.com/office/drawing/2010/main" w="9525">
+                  <a14:hiddenLine xmlns:a14="http://schemas.microsoft.com/office/drawing/2010/main" xmlns="" w="9525">
                     <a:solidFill>
                       <a:srgbClr val="000000"/>
                     </a:solidFill>
@@ -9447,7 +9448,7 @@
               </a:ln>
               <a:extLst>
                 <a:ext uri="{91240B29-F687-4f45-9708-019B960494DF}">
-                  <a14:hiddenLine xmlns="" xmlns:a14="http://schemas.microsoft.com/office/drawing/2010/main" w="9525">
+                  <a14:hiddenLine xmlns:a14="http://schemas.microsoft.com/office/drawing/2010/main" xmlns="" w="9525">
                     <a:solidFill>
                       <a:srgbClr val="000000"/>
                     </a:solidFill>
@@ -9509,7 +9510,7 @@
               </a:ln>
               <a:extLst>
                 <a:ext uri="{91240B29-F687-4f45-9708-019B960494DF}">
-                  <a14:hiddenLine xmlns="" xmlns:a14="http://schemas.microsoft.com/office/drawing/2010/main" w="9525">
+                  <a14:hiddenLine xmlns:a14="http://schemas.microsoft.com/office/drawing/2010/main" xmlns="" w="9525">
                     <a:solidFill>
                       <a:srgbClr val="000000"/>
                     </a:solidFill>
@@ -9599,7 +9600,7 @@
               </a:ln>
               <a:extLst>
                 <a:ext uri="{91240B29-F687-4f45-9708-019B960494DF}">
-                  <a14:hiddenLine xmlns="" xmlns:a14="http://schemas.microsoft.com/office/drawing/2010/main" w="9525">
+                  <a14:hiddenLine xmlns:a14="http://schemas.microsoft.com/office/drawing/2010/main" xmlns="" w="9525">
                     <a:solidFill>
                       <a:srgbClr val="000000"/>
                     </a:solidFill>
@@ -9689,7 +9690,7 @@
               </a:ln>
               <a:extLst>
                 <a:ext uri="{91240B29-F687-4f45-9708-019B960494DF}">
-                  <a14:hiddenLine xmlns="" xmlns:a14="http://schemas.microsoft.com/office/drawing/2010/main" w="9525">
+                  <a14:hiddenLine xmlns:a14="http://schemas.microsoft.com/office/drawing/2010/main" xmlns="" w="9525">
                     <a:solidFill>
                       <a:srgbClr val="000000"/>
                     </a:solidFill>
@@ -9751,7 +9752,7 @@
               </a:ln>
               <a:extLst>
                 <a:ext uri="{91240B29-F687-4f45-9708-019B960494DF}">
-                  <a14:hiddenLine xmlns="" xmlns:a14="http://schemas.microsoft.com/office/drawing/2010/main" w="9525">
+                  <a14:hiddenLine xmlns:a14="http://schemas.microsoft.com/office/drawing/2010/main" xmlns="" w="9525">
                     <a:solidFill>
                       <a:srgbClr val="000000"/>
                     </a:solidFill>
@@ -9861,7 +9862,7 @@
               </a:ln>
               <a:extLst>
                 <a:ext uri="{91240B29-F687-4f45-9708-019B960494DF}">
-                  <a14:hiddenLine xmlns="" xmlns:a14="http://schemas.microsoft.com/office/drawing/2010/main" w="9525">
+                  <a14:hiddenLine xmlns:a14="http://schemas.microsoft.com/office/drawing/2010/main" xmlns="" w="9525">
                     <a:solidFill>
                       <a:srgbClr val="000000"/>
                     </a:solidFill>
@@ -9945,7 +9946,7 @@
               </a:ln>
               <a:extLst>
                 <a:ext uri="{91240B29-F687-4f45-9708-019B960494DF}">
-                  <a14:hiddenLine xmlns="" xmlns:a14="http://schemas.microsoft.com/office/drawing/2010/main" w="9525">
+                  <a14:hiddenLine xmlns:a14="http://schemas.microsoft.com/office/drawing/2010/main" xmlns="" w="9525">
                     <a:solidFill>
                       <a:srgbClr val="000000"/>
                     </a:solidFill>
@@ -10007,7 +10008,7 @@
               </a:ln>
               <a:extLst>
                 <a:ext uri="{91240B29-F687-4f45-9708-019B960494DF}">
-                  <a14:hiddenLine xmlns="" xmlns:a14="http://schemas.microsoft.com/office/drawing/2010/main" w="9525">
+                  <a14:hiddenLine xmlns:a14="http://schemas.microsoft.com/office/drawing/2010/main" xmlns="" w="9525">
                     <a:solidFill>
                       <a:srgbClr val="000000"/>
                     </a:solidFill>
@@ -10069,7 +10070,7 @@
               </a:ln>
               <a:extLst>
                 <a:ext uri="{91240B29-F687-4f45-9708-019B960494DF}">
-                  <a14:hiddenLine xmlns="" xmlns:a14="http://schemas.microsoft.com/office/drawing/2010/main" w="9525">
+                  <a14:hiddenLine xmlns:a14="http://schemas.microsoft.com/office/drawing/2010/main" xmlns="" w="9525">
                     <a:solidFill>
                       <a:srgbClr val="000000"/>
                     </a:solidFill>
@@ -10159,7 +10160,7 @@
               </a:ln>
               <a:extLst>
                 <a:ext uri="{91240B29-F687-4f45-9708-019B960494DF}">
-                  <a14:hiddenLine xmlns="" xmlns:a14="http://schemas.microsoft.com/office/drawing/2010/main" w="9525">
+                  <a14:hiddenLine xmlns:a14="http://schemas.microsoft.com/office/drawing/2010/main" xmlns="" w="9525">
                     <a:solidFill>
                       <a:srgbClr val="000000"/>
                     </a:solidFill>
@@ -10193,7 +10194,7 @@
               </a:ln>
               <a:extLst>
                 <a:ext uri="{91240B29-F687-4f45-9708-019B960494DF}">
-                  <a14:hiddenLine xmlns="" xmlns:a14="http://schemas.microsoft.com/office/drawing/2010/main" w="9525">
+                  <a14:hiddenLine xmlns:a14="http://schemas.microsoft.com/office/drawing/2010/main" xmlns="" w="9525">
                     <a:solidFill>
                       <a:srgbClr val="000000"/>
                     </a:solidFill>
@@ -10258,7 +10259,7 @@
               </a:ln>
               <a:extLst>
                 <a:ext uri="{91240B29-F687-4f45-9708-019B960494DF}">
-                  <a14:hiddenLine xmlns="" xmlns:a14="http://schemas.microsoft.com/office/drawing/2010/main" w="9525">
+                  <a14:hiddenLine xmlns:a14="http://schemas.microsoft.com/office/drawing/2010/main" xmlns="" w="9525">
                     <a:solidFill>
                       <a:srgbClr val="000000"/>
                     </a:solidFill>
@@ -10348,7 +10349,7 @@
               </a:ln>
               <a:extLst>
                 <a:ext uri="{91240B29-F687-4f45-9708-019B960494DF}">
-                  <a14:hiddenLine xmlns="" xmlns:a14="http://schemas.microsoft.com/office/drawing/2010/main" w="9525">
+                  <a14:hiddenLine xmlns:a14="http://schemas.microsoft.com/office/drawing/2010/main" xmlns="" w="9525">
                     <a:solidFill>
                       <a:srgbClr val="000000"/>
                     </a:solidFill>
@@ -10410,7 +10411,7 @@
               </a:ln>
               <a:extLst>
                 <a:ext uri="{91240B29-F687-4f45-9708-019B960494DF}">
-                  <a14:hiddenLine xmlns="" xmlns:a14="http://schemas.microsoft.com/office/drawing/2010/main" w="9525">
+                  <a14:hiddenLine xmlns:a14="http://schemas.microsoft.com/office/drawing/2010/main" xmlns="" w="9525">
                     <a:solidFill>
                       <a:srgbClr val="000000"/>
                     </a:solidFill>
@@ -10500,7 +10501,7 @@
               </a:ln>
               <a:extLst>
                 <a:ext uri="{91240B29-F687-4f45-9708-019B960494DF}">
-                  <a14:hiddenLine xmlns="" xmlns:a14="http://schemas.microsoft.com/office/drawing/2010/main" w="9525">
+                  <a14:hiddenLine xmlns:a14="http://schemas.microsoft.com/office/drawing/2010/main" xmlns="" w="9525">
                     <a:solidFill>
                       <a:srgbClr val="000000"/>
                     </a:solidFill>
@@ -10565,7 +10566,7 @@
               </a:ln>
               <a:extLst>
                 <a:ext uri="{91240B29-F687-4f45-9708-019B960494DF}">
-                  <a14:hiddenLine xmlns="" xmlns:a14="http://schemas.microsoft.com/office/drawing/2010/main" w="9525">
+                  <a14:hiddenLine xmlns:a14="http://schemas.microsoft.com/office/drawing/2010/main" xmlns="" w="9525">
                     <a:solidFill>
                       <a:srgbClr val="000000"/>
                     </a:solidFill>
@@ -10627,7 +10628,7 @@
               </a:ln>
               <a:extLst>
                 <a:ext uri="{91240B29-F687-4f45-9708-019B960494DF}">
-                  <a14:hiddenLine xmlns="" xmlns:a14="http://schemas.microsoft.com/office/drawing/2010/main" w="9525">
+                  <a14:hiddenLine xmlns:a14="http://schemas.microsoft.com/office/drawing/2010/main" xmlns="" w="9525">
                     <a:solidFill>
                       <a:srgbClr val="000000"/>
                     </a:solidFill>
@@ -10717,7 +10718,7 @@
               </a:ln>
               <a:extLst>
                 <a:ext uri="{91240B29-F687-4f45-9708-019B960494DF}">
-                  <a14:hiddenLine xmlns="" xmlns:a14="http://schemas.microsoft.com/office/drawing/2010/main" w="9525">
+                  <a14:hiddenLine xmlns:a14="http://schemas.microsoft.com/office/drawing/2010/main" xmlns="" w="9525">
                     <a:solidFill>
                       <a:srgbClr val="000000"/>
                     </a:solidFill>
@@ -10807,7 +10808,7 @@
               </a:ln>
               <a:extLst>
                 <a:ext uri="{91240B29-F687-4f45-9708-019B960494DF}">
-                  <a14:hiddenLine xmlns="" xmlns:a14="http://schemas.microsoft.com/office/drawing/2010/main" w="9525">
+                  <a14:hiddenLine xmlns:a14="http://schemas.microsoft.com/office/drawing/2010/main" xmlns="" w="9525">
                     <a:solidFill>
                       <a:srgbClr val="000000"/>
                     </a:solidFill>
@@ -10872,7 +10873,7 @@
               </a:ln>
               <a:extLst>
                 <a:ext uri="{91240B29-F687-4f45-9708-019B960494DF}">
-                  <a14:hiddenLine xmlns="" xmlns:a14="http://schemas.microsoft.com/office/drawing/2010/main" w="9525">
+                  <a14:hiddenLine xmlns:a14="http://schemas.microsoft.com/office/drawing/2010/main" xmlns="" w="9525">
                     <a:solidFill>
                       <a:srgbClr val="000000"/>
                     </a:solidFill>
@@ -10992,7 +10993,7 @@
               </a:ln>
               <a:extLst>
                 <a:ext uri="{91240B29-F687-4f45-9708-019B960494DF}">
-                  <a14:hiddenLine xmlns="" xmlns:a14="http://schemas.microsoft.com/office/drawing/2010/main" w="9525">
+                  <a14:hiddenLine xmlns:a14="http://schemas.microsoft.com/office/drawing/2010/main" xmlns="" w="9525">
                     <a:solidFill>
                       <a:srgbClr val="000000"/>
                     </a:solidFill>
@@ -11090,7 +11091,7 @@
               </a:ln>
               <a:extLst>
                 <a:ext uri="{91240B29-F687-4f45-9708-019B960494DF}">
-                  <a14:hiddenLine xmlns="" xmlns:a14="http://schemas.microsoft.com/office/drawing/2010/main" w="9525">
+                  <a14:hiddenLine xmlns:a14="http://schemas.microsoft.com/office/drawing/2010/main" xmlns="" w="9525">
                     <a:solidFill>
                       <a:srgbClr val="000000"/>
                     </a:solidFill>
@@ -11205,7 +11206,7 @@
               </a:ln>
               <a:extLst>
                 <a:ext uri="{91240B29-F687-4f45-9708-019B960494DF}">
-                  <a14:hiddenLine xmlns="" xmlns:a14="http://schemas.microsoft.com/office/drawing/2010/main" w="9525">
+                  <a14:hiddenLine xmlns:a14="http://schemas.microsoft.com/office/drawing/2010/main" xmlns="" w="9525">
                     <a:solidFill>
                       <a:srgbClr val="000000"/>
                     </a:solidFill>
@@ -11295,7 +11296,7 @@
               </a:ln>
               <a:extLst>
                 <a:ext uri="{91240B29-F687-4f45-9708-019B960494DF}">
-                  <a14:hiddenLine xmlns="" xmlns:a14="http://schemas.microsoft.com/office/drawing/2010/main" w="9525">
+                  <a14:hiddenLine xmlns:a14="http://schemas.microsoft.com/office/drawing/2010/main" xmlns="" w="9525">
                     <a:solidFill>
                       <a:srgbClr val="000000"/>
                     </a:solidFill>
@@ -11360,7 +11361,7 @@
               </a:ln>
               <a:extLst>
                 <a:ext uri="{91240B29-F687-4f45-9708-019B960494DF}">
-                  <a14:hiddenLine xmlns="" xmlns:a14="http://schemas.microsoft.com/office/drawing/2010/main" w="9525">
+                  <a14:hiddenLine xmlns:a14="http://schemas.microsoft.com/office/drawing/2010/main" xmlns="" w="9525">
                     <a:solidFill>
                       <a:srgbClr val="000000"/>
                     </a:solidFill>
@@ -11450,7 +11451,7 @@
               </a:ln>
               <a:extLst>
                 <a:ext uri="{91240B29-F687-4f45-9708-019B960494DF}">
-                  <a14:hiddenLine xmlns="" xmlns:a14="http://schemas.microsoft.com/office/drawing/2010/main" w="9525">
+                  <a14:hiddenLine xmlns:a14="http://schemas.microsoft.com/office/drawing/2010/main" xmlns="" w="9525">
                     <a:solidFill>
                       <a:srgbClr val="000000"/>
                     </a:solidFill>
@@ -11518,7 +11519,7 @@
               </a:ln>
               <a:extLst>
                 <a:ext uri="{91240B29-F687-4f45-9708-019B960494DF}">
-                  <a14:hiddenLine xmlns="" xmlns:a14="http://schemas.microsoft.com/office/drawing/2010/main" w="9525">
+                  <a14:hiddenLine xmlns:a14="http://schemas.microsoft.com/office/drawing/2010/main" xmlns="" w="9525">
                     <a:solidFill>
                       <a:srgbClr val="000000"/>
                     </a:solidFill>
@@ -11608,7 +11609,7 @@
               </a:ln>
               <a:extLst>
                 <a:ext uri="{91240B29-F687-4f45-9708-019B960494DF}">
-                  <a14:hiddenLine xmlns="" xmlns:a14="http://schemas.microsoft.com/office/drawing/2010/main" w="9525">
+                  <a14:hiddenLine xmlns:a14="http://schemas.microsoft.com/office/drawing/2010/main" xmlns="" w="9525">
                     <a:solidFill>
                       <a:srgbClr val="000000"/>
                     </a:solidFill>
@@ -11676,7 +11677,7 @@
               </a:ln>
               <a:extLst>
                 <a:ext uri="{91240B29-F687-4f45-9708-019B960494DF}">
-                  <a14:hiddenLine xmlns="" xmlns:a14="http://schemas.microsoft.com/office/drawing/2010/main" w="9525">
+                  <a14:hiddenLine xmlns:a14="http://schemas.microsoft.com/office/drawing/2010/main" xmlns="" w="9525">
                     <a:solidFill>
                       <a:srgbClr val="000000"/>
                     </a:solidFill>
@@ -11766,7 +11767,7 @@
               </a:ln>
               <a:extLst>
                 <a:ext uri="{91240B29-F687-4f45-9708-019B960494DF}">
-                  <a14:hiddenLine xmlns="" xmlns:a14="http://schemas.microsoft.com/office/drawing/2010/main" w="9525">
+                  <a14:hiddenLine xmlns:a14="http://schemas.microsoft.com/office/drawing/2010/main" xmlns="" w="9525">
                     <a:solidFill>
                       <a:srgbClr val="000000"/>
                     </a:solidFill>
@@ -11800,7 +11801,7 @@
               </a:ln>
               <a:extLst>
                 <a:ext uri="{91240B29-F687-4f45-9708-019B960494DF}">
-                  <a14:hiddenLine xmlns="" xmlns:a14="http://schemas.microsoft.com/office/drawing/2010/main" w="9525">
+                  <a14:hiddenLine xmlns:a14="http://schemas.microsoft.com/office/drawing/2010/main" xmlns="" w="9525">
                     <a:solidFill>
                       <a:srgbClr val="000000"/>
                     </a:solidFill>
@@ -12433,6 +12434,95 @@
           <p:cNvPr id="2" name="Title 1">
             <a:extLst>
               <a:ext uri="{FF2B5EF4-FFF2-40B4-BE49-F238E27FC236}">
+                <a16:creationId xmlns:a16="http://schemas.microsoft.com/office/drawing/2014/main" id="{38C1F80A-F98C-6644-A4A0-4093C307D5EA}"/>
+              </a:ext>
+            </a:extLst>
+          </p:cNvPr>
+          <p:cNvSpPr>
+            <a:spLocks noGrp="1"/>
+          </p:cNvSpPr>
+          <p:nvPr>
+            <p:ph type="title"/>
+          </p:nvPr>
+        </p:nvSpPr>
+        <p:spPr/>
+        <p:txBody>
+          <a:bodyPr/>
+          <a:lstStyle/>
+          <a:p>
+            <a:pPr algn="ctr"/>
+            <a:r>
+              <a:rPr lang="en-US" dirty="0"/>
+              <a:t>Kubernetes Update Process</a:t>
+            </a:r>
+          </a:p>
+        </p:txBody>
+      </p:sp>
+      <p:pic>
+        <p:nvPicPr>
+          <p:cNvPr id="5" name="Picture 4" descr="A picture containing black&#10;&#10;Description automatically generated">
+            <a:extLst>
+              <a:ext uri="{FF2B5EF4-FFF2-40B4-BE49-F238E27FC236}">
+                <a16:creationId xmlns:a16="http://schemas.microsoft.com/office/drawing/2014/main" id="{60E3D3DD-A43A-8C4E-9276-1BED0937C0DF}"/>
+              </a:ext>
+            </a:extLst>
+          </p:cNvPr>
+          <p:cNvPicPr>
+            <a:picLocks noChangeAspect="1"/>
+          </p:cNvPicPr>
+          <p:nvPr/>
+        </p:nvPicPr>
+        <p:blipFill>
+          <a:blip r:embed="rId2"/>
+          <a:stretch>
+            <a:fillRect/>
+          </a:stretch>
+        </p:blipFill>
+        <p:spPr>
+          <a:xfrm>
+            <a:off x="881062" y="2097088"/>
+            <a:ext cx="10426700" cy="3175000"/>
+          </a:xfrm>
+          <a:prstGeom prst="rect">
+            <a:avLst/>
+          </a:prstGeom>
+        </p:spPr>
+      </p:pic>
+    </p:spTree>
+    <p:extLst>
+      <p:ext uri="{BB962C8B-B14F-4D97-AF65-F5344CB8AC3E}">
+        <p14:creationId xmlns:p14="http://schemas.microsoft.com/office/powerpoint/2010/main" val="2101870629"/>
+      </p:ext>
+    </p:extLst>
+  </p:cSld>
+  <p:clrMapOvr>
+    <a:masterClrMapping/>
+  </p:clrMapOvr>
+</p:sld>
+</file>
+
+<file path=ppt/slides/slide11.xml><?xml version="1.0" encoding="utf-8"?>
+<p:sld xmlns:a="http://schemas.openxmlformats.org/drawingml/2006/main" xmlns:r="http://schemas.openxmlformats.org/officeDocument/2006/relationships" xmlns:p="http://schemas.openxmlformats.org/presentationml/2006/main">
+  <p:cSld>
+    <p:spTree>
+      <p:nvGrpSpPr>
+        <p:cNvPr id="1" name=""/>
+        <p:cNvGrpSpPr/>
+        <p:nvPr/>
+      </p:nvGrpSpPr>
+      <p:grpSpPr>
+        <a:xfrm>
+          <a:off x="0" y="0"/>
+          <a:ext cx="0" cy="0"/>
+          <a:chOff x="0" y="0"/>
+          <a:chExt cx="0" cy="0"/>
+        </a:xfrm>
+      </p:grpSpPr>
+      <p:sp>
+        <p:nvSpPr>
+          <p:cNvPr id="2" name="Title 1">
+            <a:extLst>
+              <a:ext uri="{FF2B5EF4-FFF2-40B4-BE49-F238E27FC236}">
                 <a16:creationId xmlns:a16="http://schemas.microsoft.com/office/drawing/2014/main" id="{84A9F808-508C-B24C-82ED-1681F0ED863B}"/>
               </a:ext>
             </a:extLst>
@@ -12895,6 +12985,128 @@
           <p:cNvPr id="2" name="Title 1">
             <a:extLst>
               <a:ext uri="{FF2B5EF4-FFF2-40B4-BE49-F238E27FC236}">
+                <a16:creationId xmlns:a16="http://schemas.microsoft.com/office/drawing/2014/main" id="{010005E5-D6E0-8644-A5DE-0CA1DD6C86ED}"/>
+              </a:ext>
+            </a:extLst>
+          </p:cNvPr>
+          <p:cNvSpPr>
+            <a:spLocks noGrp="1"/>
+          </p:cNvSpPr>
+          <p:nvPr>
+            <p:ph type="title"/>
+          </p:nvPr>
+        </p:nvSpPr>
+        <p:spPr/>
+        <p:txBody>
+          <a:bodyPr/>
+          <a:lstStyle/>
+          <a:p>
+            <a:pPr algn="ctr"/>
+            <a:r>
+              <a:rPr lang="en-US" dirty="0"/>
+              <a:t>Docker For Desktop</a:t>
+            </a:r>
+          </a:p>
+        </p:txBody>
+      </p:sp>
+      <p:sp>
+        <p:nvSpPr>
+          <p:cNvPr id="3" name="Content Placeholder 2">
+            <a:extLst>
+              <a:ext uri="{FF2B5EF4-FFF2-40B4-BE49-F238E27FC236}">
+                <a16:creationId xmlns:a16="http://schemas.microsoft.com/office/drawing/2014/main" id="{DD7EB53C-9611-B741-964F-C326F0148952}"/>
+              </a:ext>
+            </a:extLst>
+          </p:cNvPr>
+          <p:cNvSpPr>
+            <a:spLocks noGrp="1"/>
+          </p:cNvSpPr>
+          <p:nvPr>
+            <p:ph idx="1"/>
+          </p:nvPr>
+        </p:nvSpPr>
+        <p:spPr>
+          <a:xfrm>
+            <a:off x="1141412" y="1623287"/>
+            <a:ext cx="8817597" cy="1100000"/>
+          </a:xfrm>
+        </p:spPr>
+        <p:txBody>
+          <a:bodyPr/>
+          <a:lstStyle/>
+          <a:p>
+            <a:r>
+              <a:rPr lang="en-US" dirty="0"/>
+              <a:t>This is a nifty GUI for development purposes. It shows you the running pods and allows you to restart or connect to them.</a:t>
+            </a:r>
+          </a:p>
+        </p:txBody>
+      </p:sp>
+      <p:pic>
+        <p:nvPicPr>
+          <p:cNvPr id="7" name="Picture 6" descr="A screenshot of a cell phone&#10;&#10;Description automatically generated">
+            <a:extLst>
+              <a:ext uri="{FF2B5EF4-FFF2-40B4-BE49-F238E27FC236}">
+                <a16:creationId xmlns:a16="http://schemas.microsoft.com/office/drawing/2014/main" id="{E81D626B-1EE0-6A40-9530-677C6037B662}"/>
+              </a:ext>
+            </a:extLst>
+          </p:cNvPr>
+          <p:cNvPicPr>
+            <a:picLocks noChangeAspect="1"/>
+          </p:cNvPicPr>
+          <p:nvPr/>
+        </p:nvPicPr>
+        <p:blipFill>
+          <a:blip r:embed="rId2"/>
+          <a:stretch>
+            <a:fillRect/>
+          </a:stretch>
+        </p:blipFill>
+        <p:spPr>
+          <a:xfrm>
+            <a:off x="1521875" y="2941714"/>
+            <a:ext cx="8437134" cy="3072783"/>
+          </a:xfrm>
+          <a:prstGeom prst="rect">
+            <a:avLst/>
+          </a:prstGeom>
+        </p:spPr>
+      </p:pic>
+    </p:spTree>
+    <p:extLst>
+      <p:ext uri="{BB962C8B-B14F-4D97-AF65-F5344CB8AC3E}">
+        <p14:creationId xmlns:p14="http://schemas.microsoft.com/office/powerpoint/2010/main" val="1524081123"/>
+      </p:ext>
+    </p:extLst>
+  </p:cSld>
+  <p:clrMapOvr>
+    <a:masterClrMapping/>
+  </p:clrMapOvr>
+</p:sld>
+</file>
+
+<file path=ppt/slides/slide6.xml><?xml version="1.0" encoding="utf-8"?>
+<p:sld xmlns:a="http://schemas.openxmlformats.org/drawingml/2006/main" xmlns:r="http://schemas.openxmlformats.org/officeDocument/2006/relationships" xmlns:p="http://schemas.openxmlformats.org/presentationml/2006/main">
+  <p:cSld>
+    <p:spTree>
+      <p:nvGrpSpPr>
+        <p:cNvPr id="1" name=""/>
+        <p:cNvGrpSpPr/>
+        <p:nvPr/>
+      </p:nvGrpSpPr>
+      <p:grpSpPr>
+        <a:xfrm>
+          <a:off x="0" y="0"/>
+          <a:ext cx="0" cy="0"/>
+          <a:chOff x="0" y="0"/>
+          <a:chExt cx="0" cy="0"/>
+        </a:xfrm>
+      </p:grpSpPr>
+      <p:sp>
+        <p:nvSpPr>
+          <p:cNvPr id="2" name="Title 1">
+            <a:extLst>
+              <a:ext uri="{FF2B5EF4-FFF2-40B4-BE49-F238E27FC236}">
                 <a16:creationId xmlns:a16="http://schemas.microsoft.com/office/drawing/2014/main" id="{E44A058D-1F57-974B-ABCD-CAFD8DC1791B}"/>
               </a:ext>
             </a:extLst>
@@ -12967,7 +13179,7 @@
 </p:sld>
 </file>
 
-<file path=ppt/slides/slide6.xml><?xml version="1.0" encoding="utf-8"?>
+<file path=ppt/slides/slide7.xml><?xml version="1.0" encoding="utf-8"?>
 <p:sld xmlns:a="http://schemas.openxmlformats.org/drawingml/2006/main" xmlns:r="http://schemas.openxmlformats.org/officeDocument/2006/relationships" xmlns:p="http://schemas.openxmlformats.org/presentationml/2006/main">
   <p:cSld>
     <p:spTree>
@@ -13095,7 +13307,7 @@
 </p:sld>
 </file>
 
-<file path=ppt/slides/slide7.xml><?xml version="1.0" encoding="utf-8"?>
+<file path=ppt/slides/slide8.xml><?xml version="1.0" encoding="utf-8"?>
 <p:sld xmlns:a="http://schemas.openxmlformats.org/drawingml/2006/main" xmlns:r="http://schemas.openxmlformats.org/officeDocument/2006/relationships" xmlns:p="http://schemas.openxmlformats.org/presentationml/2006/main">
   <p:cSld>
     <p:spTree>
@@ -13198,7 +13410,7 @@
 </p:sld>
 </file>
 
-<file path=ppt/slides/slide8.xml><?xml version="1.0" encoding="utf-8"?>
+<file path=ppt/slides/slide9.xml><?xml version="1.0" encoding="utf-8"?>
 <p:sld xmlns:a="http://schemas.openxmlformats.org/drawingml/2006/main" xmlns:r="http://schemas.openxmlformats.org/officeDocument/2006/relationships" xmlns:p="http://schemas.openxmlformats.org/presentationml/2006/main">
   <p:cSld>
     <p:spTree>
@@ -13299,95 +13511,6 @@
     <p:extLst>
       <p:ext uri="{BB962C8B-B14F-4D97-AF65-F5344CB8AC3E}">
         <p14:creationId xmlns:p14="http://schemas.microsoft.com/office/powerpoint/2010/main" val="888985004"/>
-      </p:ext>
-    </p:extLst>
-  </p:cSld>
-  <p:clrMapOvr>
-    <a:masterClrMapping/>
-  </p:clrMapOvr>
-</p:sld>
-</file>
-
-<file path=ppt/slides/slide9.xml><?xml version="1.0" encoding="utf-8"?>
-<p:sld xmlns:a="http://schemas.openxmlformats.org/drawingml/2006/main" xmlns:r="http://schemas.openxmlformats.org/officeDocument/2006/relationships" xmlns:p="http://schemas.openxmlformats.org/presentationml/2006/main">
-  <p:cSld>
-    <p:spTree>
-      <p:nvGrpSpPr>
-        <p:cNvPr id="1" name=""/>
-        <p:cNvGrpSpPr/>
-        <p:nvPr/>
-      </p:nvGrpSpPr>
-      <p:grpSpPr>
-        <a:xfrm>
-          <a:off x="0" y="0"/>
-          <a:ext cx="0" cy="0"/>
-          <a:chOff x="0" y="0"/>
-          <a:chExt cx="0" cy="0"/>
-        </a:xfrm>
-      </p:grpSpPr>
-      <p:sp>
-        <p:nvSpPr>
-          <p:cNvPr id="2" name="Title 1">
-            <a:extLst>
-              <a:ext uri="{FF2B5EF4-FFF2-40B4-BE49-F238E27FC236}">
-                <a16:creationId xmlns:a16="http://schemas.microsoft.com/office/drawing/2014/main" id="{38C1F80A-F98C-6644-A4A0-4093C307D5EA}"/>
-              </a:ext>
-            </a:extLst>
-          </p:cNvPr>
-          <p:cNvSpPr>
-            <a:spLocks noGrp="1"/>
-          </p:cNvSpPr>
-          <p:nvPr>
-            <p:ph type="title"/>
-          </p:nvPr>
-        </p:nvSpPr>
-        <p:spPr/>
-        <p:txBody>
-          <a:bodyPr/>
-          <a:lstStyle/>
-          <a:p>
-            <a:pPr algn="ctr"/>
-            <a:r>
-              <a:rPr lang="en-US" dirty="0"/>
-              <a:t>Kubernetes Update Process</a:t>
-            </a:r>
-          </a:p>
-        </p:txBody>
-      </p:sp>
-      <p:pic>
-        <p:nvPicPr>
-          <p:cNvPr id="5" name="Picture 4" descr="A picture containing black&#10;&#10;Description automatically generated">
-            <a:extLst>
-              <a:ext uri="{FF2B5EF4-FFF2-40B4-BE49-F238E27FC236}">
-                <a16:creationId xmlns:a16="http://schemas.microsoft.com/office/drawing/2014/main" id="{60E3D3DD-A43A-8C4E-9276-1BED0937C0DF}"/>
-              </a:ext>
-            </a:extLst>
-          </p:cNvPr>
-          <p:cNvPicPr>
-            <a:picLocks noChangeAspect="1"/>
-          </p:cNvPicPr>
-          <p:nvPr/>
-        </p:nvPicPr>
-        <p:blipFill>
-          <a:blip r:embed="rId2"/>
-          <a:stretch>
-            <a:fillRect/>
-          </a:stretch>
-        </p:blipFill>
-        <p:spPr>
-          <a:xfrm>
-            <a:off x="881062" y="2097088"/>
-            <a:ext cx="10426700" cy="3175000"/>
-          </a:xfrm>
-          <a:prstGeom prst="rect">
-            <a:avLst/>
-          </a:prstGeom>
-        </p:spPr>
-      </p:pic>
-    </p:spTree>
-    <p:extLst>
-      <p:ext uri="{BB962C8B-B14F-4D97-AF65-F5344CB8AC3E}">
-        <p14:creationId xmlns:p14="http://schemas.microsoft.com/office/powerpoint/2010/main" val="2101870629"/>
       </p:ext>
     </p:extLst>
   </p:cSld>
